--- a/과제PPT/기업업무 6강.pptx
+++ b/과제PPT/기업업무 6강.pptx
@@ -332,7 +332,7 @@
             <a:fld id="{96DFF08F-DC6B-4601-B491-B0F83F6DD2DA}" type="datetimeFigureOut">
               <a:rPr lang="en-US" dirty="0"/>
               <a:pPr/>
-              <a:t>6/6/2023</a:t>
+              <a:t>6/7/2023</a:t>
             </a:fld>
             <a:endParaRPr lang="en-US" dirty="0"/>
           </a:p>
@@ -549,7 +549,7 @@
           <a:p>
             <a:fld id="{96DFF08F-DC6B-4601-B491-B0F83F6DD2DA}" type="datetimeFigureOut">
               <a:rPr lang="en-US" dirty="0"/>
-              <a:t>6/6/2023</a:t>
+              <a:t>6/7/2023</a:t>
             </a:fld>
             <a:endParaRPr lang="en-US" dirty="0"/>
           </a:p>
@@ -724,7 +724,7 @@
           <a:p>
             <a:fld id="{96DFF08F-DC6B-4601-B491-B0F83F6DD2DA}" type="datetimeFigureOut">
               <a:rPr lang="en-US" dirty="0"/>
-              <a:t>6/6/2023</a:t>
+              <a:t>6/7/2023</a:t>
             </a:fld>
             <a:endParaRPr lang="en-US" dirty="0"/>
           </a:p>
@@ -889,7 +889,7 @@
           <a:p>
             <a:fld id="{96DFF08F-DC6B-4601-B491-B0F83F6DD2DA}" type="datetimeFigureOut">
               <a:rPr lang="en-US" dirty="0"/>
-              <a:t>6/6/2023</a:t>
+              <a:t>6/7/2023</a:t>
             </a:fld>
             <a:endParaRPr lang="en-US" dirty="0"/>
           </a:p>
@@ -1158,7 +1158,7 @@
           <a:p>
             <a:fld id="{96DFF08F-DC6B-4601-B491-B0F83F6DD2DA}" type="datetimeFigureOut">
               <a:rPr lang="en-US" dirty="0"/>
-              <a:t>6/6/2023</a:t>
+              <a:t>6/7/2023</a:t>
             </a:fld>
             <a:endParaRPr lang="en-US" dirty="0"/>
           </a:p>
@@ -1476,7 +1476,7 @@
           <a:p>
             <a:fld id="{96DFF08F-DC6B-4601-B491-B0F83F6DD2DA}" type="datetimeFigureOut">
               <a:rPr lang="en-US" dirty="0"/>
-              <a:t>6/6/2023</a:t>
+              <a:t>6/7/2023</a:t>
             </a:fld>
             <a:endParaRPr lang="en-US" dirty="0"/>
           </a:p>
@@ -1895,7 +1895,7 @@
           <a:p>
             <a:fld id="{96DFF08F-DC6B-4601-B491-B0F83F6DD2DA}" type="datetimeFigureOut">
               <a:rPr lang="en-US" dirty="0"/>
-              <a:t>6/6/2023</a:t>
+              <a:t>6/7/2023</a:t>
             </a:fld>
             <a:endParaRPr lang="en-US" dirty="0"/>
           </a:p>
@@ -2008,7 +2008,7 @@
           <a:p>
             <a:fld id="{96DFF08F-DC6B-4601-B491-B0F83F6DD2DA}" type="datetimeFigureOut">
               <a:rPr lang="en-US" dirty="0"/>
-              <a:t>6/6/2023</a:t>
+              <a:t>6/7/2023</a:t>
             </a:fld>
             <a:endParaRPr lang="en-US" dirty="0"/>
           </a:p>
@@ -2098,7 +2098,7 @@
           <a:p>
             <a:fld id="{96DFF08F-DC6B-4601-B491-B0F83F6DD2DA}" type="datetimeFigureOut">
               <a:rPr lang="en-US" dirty="0"/>
-              <a:t>6/6/2023</a:t>
+              <a:t>6/7/2023</a:t>
             </a:fld>
             <a:endParaRPr lang="en-US" dirty="0"/>
           </a:p>
@@ -2383,7 +2383,7 @@
           <a:p>
             <a:fld id="{96DFF08F-DC6B-4601-B491-B0F83F6DD2DA}" type="datetimeFigureOut">
               <a:rPr lang="en-US" dirty="0"/>
-              <a:t>6/6/2023</a:t>
+              <a:t>6/7/2023</a:t>
             </a:fld>
             <a:endParaRPr lang="en-US" dirty="0"/>
           </a:p>
@@ -2650,7 +2650,7 @@
           <a:p>
             <a:fld id="{96DFF08F-DC6B-4601-B491-B0F83F6DD2DA}" type="datetimeFigureOut">
               <a:rPr lang="en-US" dirty="0"/>
-              <a:t>6/6/2023</a:t>
+              <a:t>6/7/2023</a:t>
             </a:fld>
             <a:endParaRPr lang="en-US" dirty="0"/>
           </a:p>
@@ -2900,7 +2900,7 @@
             <a:fld id="{96DFF08F-DC6B-4601-B491-B0F83F6DD2DA}" type="datetimeFigureOut">
               <a:rPr lang="en-US" dirty="0"/>
               <a:pPr/>
-              <a:t>6/6/2023</a:t>
+              <a:t>6/7/2023</a:t>
             </a:fld>
             <a:endParaRPr lang="en-US" dirty="0"/>
           </a:p>
@@ -3704,7 +3704,7 @@
           <p:cNvPr id="20" name="그림 19">
             <a:extLst>
               <a:ext uri="{FF2B5EF4-FFF2-40B4-BE49-F238E27FC236}">
-                <a16:creationId xmlns:a16="http://schemas.microsoft.com/office/drawing/2014/main" id="{E6AD7D25-A6E0-1B05-31FB-4094DE23FAA1}"/>
+                <a16:creationId xmlns:a16="http://schemas.microsoft.com/office/drawing/2014/main" xmlns="" id="{E6AD7D25-A6E0-1B05-31FB-4094DE23FAA1}"/>
               </a:ext>
             </a:extLst>
           </p:cNvPr>
@@ -3734,7 +3734,7 @@
           <p:cNvPr id="18" name="그림 17">
             <a:extLst>
               <a:ext uri="{FF2B5EF4-FFF2-40B4-BE49-F238E27FC236}">
-                <a16:creationId xmlns:a16="http://schemas.microsoft.com/office/drawing/2014/main" id="{07EE9033-35C8-CBB4-9D1E-31D11BC0F4C6}"/>
+                <a16:creationId xmlns:a16="http://schemas.microsoft.com/office/drawing/2014/main" xmlns="" id="{07EE9033-35C8-CBB4-9D1E-31D11BC0F4C6}"/>
               </a:ext>
             </a:extLst>
           </p:cNvPr>
@@ -3764,7 +3764,7 @@
           <p:cNvPr id="2" name="제목 1">
             <a:extLst>
               <a:ext uri="{FF2B5EF4-FFF2-40B4-BE49-F238E27FC236}">
-                <a16:creationId xmlns:a16="http://schemas.microsoft.com/office/drawing/2014/main" id="{635C47BF-19DD-7A68-913E-EF8F14DBA234}"/>
+                <a16:creationId xmlns:a16="http://schemas.microsoft.com/office/drawing/2014/main" xmlns="" id="{635C47BF-19DD-7A68-913E-EF8F14DBA234}"/>
               </a:ext>
             </a:extLst>
           </p:cNvPr>
@@ -3792,10 +3792,16 @@
               <a:buChar char="•"/>
             </a:pPr>
             <a:r>
-              <a:rPr lang="en-US" altLang="ko-KR" sz="3200" dirty="0">
+              <a:rPr lang="en-US" altLang="ko-KR" sz="3200" dirty="0" err="1" smtClean="0">
                 <a:latin typeface="+mj-ea"/>
               </a:rPr>
-              <a:t>01.jsp</a:t>
+              <a:t>xmlmake</a:t>
+            </a:r>
+            <a:r>
+              <a:rPr lang="en-US" altLang="ko-KR" sz="3200" dirty="0" err="1" smtClean="0">
+                <a:latin typeface="+mj-ea"/>
+              </a:rPr>
+              <a:t>.jsp</a:t>
             </a:r>
             <a:endParaRPr lang="ko-KR" altLang="en-US" sz="3200" dirty="0">
               <a:latin typeface="+mj-ea"/>
@@ -3808,7 +3814,7 @@
           <p:cNvPr id="10" name="화살표: 오른쪽 9">
             <a:extLst>
               <a:ext uri="{FF2B5EF4-FFF2-40B4-BE49-F238E27FC236}">
-                <a16:creationId xmlns:a16="http://schemas.microsoft.com/office/drawing/2014/main" id="{7F190A1E-9D7C-38C6-05E4-0EBF34278A5B}"/>
+                <a16:creationId xmlns:a16="http://schemas.microsoft.com/office/drawing/2014/main" xmlns="" id="{7F190A1E-9D7C-38C6-05E4-0EBF34278A5B}"/>
               </a:ext>
             </a:extLst>
           </p:cNvPr>
@@ -3854,7 +3860,7 @@
           <p:cNvPr id="12" name="TextBox 11">
             <a:extLst>
               <a:ext uri="{FF2B5EF4-FFF2-40B4-BE49-F238E27FC236}">
-                <a16:creationId xmlns:a16="http://schemas.microsoft.com/office/drawing/2014/main" id="{F128FE74-0958-FDAB-9337-1C4EE43C54F8}"/>
+                <a16:creationId xmlns:a16="http://schemas.microsoft.com/office/drawing/2014/main" xmlns="" id="{F128FE74-0958-FDAB-9337-1C4EE43C54F8}"/>
               </a:ext>
             </a:extLst>
           </p:cNvPr>
@@ -3953,7 +3959,7 @@
           <p:cNvPr id="2" name="제목 1">
             <a:extLst>
               <a:ext uri="{FF2B5EF4-FFF2-40B4-BE49-F238E27FC236}">
-                <a16:creationId xmlns:a16="http://schemas.microsoft.com/office/drawing/2014/main" id="{635C47BF-19DD-7A68-913E-EF8F14DBA234}"/>
+                <a16:creationId xmlns:a16="http://schemas.microsoft.com/office/drawing/2014/main" xmlns="" id="{635C47BF-19DD-7A68-913E-EF8F14DBA234}"/>
               </a:ext>
             </a:extLst>
           </p:cNvPr>
@@ -3981,10 +3987,16 @@
               <a:buChar char="•"/>
             </a:pPr>
             <a:r>
-              <a:rPr lang="en-US" altLang="ko-KR" sz="3200" dirty="0">
+              <a:rPr lang="en-US" altLang="ko-KR" sz="3200" dirty="0" err="1" smtClean="0">
                 <a:latin typeface="+mj-ea"/>
               </a:rPr>
-              <a:t>01.jsp</a:t>
+              <a:t>parsing</a:t>
+            </a:r>
+            <a:r>
+              <a:rPr lang="en-US" altLang="ko-KR" sz="3200" dirty="0" err="1" smtClean="0">
+                <a:latin typeface="+mj-ea"/>
+              </a:rPr>
+              <a:t>.jsp</a:t>
             </a:r>
             <a:endParaRPr lang="ko-KR" altLang="en-US" sz="3200" dirty="0">
               <a:latin typeface="+mj-ea"/>
@@ -3994,10 +4006,127 @@
       </p:sp>
       <p:sp>
         <p:nvSpPr>
+          <p:cNvPr id="12" name="TextBox 11">
+            <a:extLst>
+              <a:ext uri="{FF2B5EF4-FFF2-40B4-BE49-F238E27FC236}">
+                <a16:creationId xmlns:a16="http://schemas.microsoft.com/office/drawing/2014/main" xmlns="" id="{F128FE74-0958-FDAB-9337-1C4EE43C54F8}"/>
+              </a:ext>
+            </a:extLst>
+          </p:cNvPr>
+          <p:cNvSpPr txBox="1"/>
+          <p:nvPr/>
+        </p:nvSpPr>
+        <p:spPr>
+          <a:xfrm>
+            <a:off x="7767090" y="1912042"/>
+            <a:ext cx="3463826" cy="523220"/>
+          </a:xfrm>
+          <a:prstGeom prst="rect">
+            <a:avLst/>
+          </a:prstGeom>
+          <a:noFill/>
+        </p:spPr>
+        <p:txBody>
+          <a:bodyPr wrap="square" rtlCol="0">
+            <a:spAutoFit/>
+          </a:bodyPr>
+          <a:lstStyle/>
+          <a:p>
+            <a:pPr algn="ctr"/>
+            <a:r>
+              <a:rPr lang="en-US" altLang="ko-KR" sz="2800" dirty="0">
+                <a:solidFill>
+                  <a:schemeClr val="accent1"/>
+                </a:solidFill>
+                <a:latin typeface="+mj-ea"/>
+                <a:ea typeface="+mj-ea"/>
+              </a:rPr>
+              <a:t>&lt; </a:t>
+            </a:r>
+            <a:r>
+              <a:rPr lang="ko-KR" altLang="en-US" sz="2800" dirty="0">
+                <a:solidFill>
+                  <a:schemeClr val="accent1"/>
+                </a:solidFill>
+                <a:latin typeface="+mj-ea"/>
+                <a:ea typeface="+mj-ea"/>
+              </a:rPr>
+              <a:t>실행화면 </a:t>
+            </a:r>
+            <a:r>
+              <a:rPr lang="en-US" altLang="ko-KR" sz="2800" dirty="0">
+                <a:solidFill>
+                  <a:schemeClr val="accent1"/>
+                </a:solidFill>
+                <a:latin typeface="+mj-ea"/>
+                <a:ea typeface="+mj-ea"/>
+              </a:rPr>
+              <a:t>&gt;</a:t>
+            </a:r>
+            <a:endParaRPr lang="ko-KR" altLang="en-US" sz="2800" dirty="0">
+              <a:solidFill>
+                <a:schemeClr val="accent1"/>
+              </a:solidFill>
+              <a:latin typeface="+mj-ea"/>
+              <a:ea typeface="+mj-ea"/>
+            </a:endParaRPr>
+          </a:p>
+        </p:txBody>
+      </p:sp>
+      <p:pic>
+        <p:nvPicPr>
+          <p:cNvPr id="3" name="그림 2"/>
+          <p:cNvPicPr>
+            <a:picLocks noChangeAspect="1"/>
+          </p:cNvPicPr>
+          <p:nvPr/>
+        </p:nvPicPr>
+        <p:blipFill>
+          <a:blip r:embed="rId2"/>
+          <a:stretch>
+            <a:fillRect/>
+          </a:stretch>
+        </p:blipFill>
+        <p:spPr>
+          <a:xfrm>
+            <a:off x="479323" y="1084652"/>
+            <a:ext cx="6772815" cy="5402440"/>
+          </a:xfrm>
+          <a:prstGeom prst="rect">
+            <a:avLst/>
+          </a:prstGeom>
+        </p:spPr>
+      </p:pic>
+      <p:pic>
+        <p:nvPicPr>
+          <p:cNvPr id="6" name="그림 5"/>
+          <p:cNvPicPr>
+            <a:picLocks noChangeAspect="1"/>
+          </p:cNvPicPr>
+          <p:nvPr/>
+        </p:nvPicPr>
+        <p:blipFill>
+          <a:blip r:embed="rId3"/>
+          <a:stretch>
+            <a:fillRect/>
+          </a:stretch>
+        </p:blipFill>
+        <p:spPr>
+          <a:xfrm>
+            <a:off x="8317203" y="2757116"/>
+            <a:ext cx="3556650" cy="3729976"/>
+          </a:xfrm>
+          <a:prstGeom prst="rect">
+            <a:avLst/>
+          </a:prstGeom>
+        </p:spPr>
+      </p:pic>
+      <p:sp>
+        <p:nvSpPr>
           <p:cNvPr id="10" name="화살표: 오른쪽 9">
             <a:extLst>
               <a:ext uri="{FF2B5EF4-FFF2-40B4-BE49-F238E27FC236}">
-                <a16:creationId xmlns:a16="http://schemas.microsoft.com/office/drawing/2014/main" id="{7F190A1E-9D7C-38C6-05E4-0EBF34278A5B}"/>
+                <a16:creationId xmlns:a16="http://schemas.microsoft.com/office/drawing/2014/main" xmlns="" id="{7F190A1E-9D7C-38C6-05E4-0EBF34278A5B}"/>
               </a:ext>
             </a:extLst>
           </p:cNvPr>
@@ -4006,7 +4135,7 @@
         </p:nvSpPr>
         <p:spPr>
           <a:xfrm>
-            <a:off x="7947603" y="3592206"/>
+            <a:off x="7252138" y="3785872"/>
             <a:ext cx="1029904" cy="606391"/>
           </a:xfrm>
           <a:prstGeom prst="rightArrow">
@@ -4035,75 +4164,6 @@
           <a:p>
             <a:pPr algn="ctr"/>
             <a:endParaRPr lang="ko-KR" altLang="en-US"/>
-          </a:p>
-        </p:txBody>
-      </p:sp>
-      <p:sp>
-        <p:nvSpPr>
-          <p:cNvPr id="12" name="TextBox 11">
-            <a:extLst>
-              <a:ext uri="{FF2B5EF4-FFF2-40B4-BE49-F238E27FC236}">
-                <a16:creationId xmlns:a16="http://schemas.microsoft.com/office/drawing/2014/main" id="{F128FE74-0958-FDAB-9337-1C4EE43C54F8}"/>
-              </a:ext>
-            </a:extLst>
-          </p:cNvPr>
-          <p:cNvSpPr txBox="1"/>
-          <p:nvPr/>
-        </p:nvSpPr>
-        <p:spPr>
-          <a:xfrm>
-            <a:off x="8410027" y="423025"/>
-            <a:ext cx="3463826" cy="523220"/>
-          </a:xfrm>
-          <a:prstGeom prst="rect">
-            <a:avLst/>
-          </a:prstGeom>
-          <a:noFill/>
-        </p:spPr>
-        <p:txBody>
-          <a:bodyPr wrap="square" rtlCol="0">
-            <a:spAutoFit/>
-          </a:bodyPr>
-          <a:lstStyle/>
-          <a:p>
-            <a:pPr algn="ctr"/>
-            <a:r>
-              <a:rPr lang="en-US" altLang="ko-KR" sz="2800" dirty="0">
-                <a:solidFill>
-                  <a:schemeClr val="accent1"/>
-                </a:solidFill>
-                <a:latin typeface="+mj-ea"/>
-                <a:ea typeface="+mj-ea"/>
-              </a:rPr>
-              <a:t>&lt; </a:t>
-            </a:r>
-            <a:r>
-              <a:rPr lang="ko-KR" altLang="en-US" sz="2800" dirty="0">
-                <a:solidFill>
-                  <a:schemeClr val="accent1"/>
-                </a:solidFill>
-                <a:latin typeface="+mj-ea"/>
-                <a:ea typeface="+mj-ea"/>
-              </a:rPr>
-              <a:t>실행화면 </a:t>
-            </a:r>
-            <a:r>
-              <a:rPr lang="en-US" altLang="ko-KR" sz="2800" dirty="0">
-                <a:solidFill>
-                  <a:schemeClr val="accent1"/>
-                </a:solidFill>
-                <a:latin typeface="+mj-ea"/>
-                <a:ea typeface="+mj-ea"/>
-              </a:rPr>
-              <a:t>&gt;</a:t>
-            </a:r>
-            <a:endParaRPr lang="ko-KR" altLang="en-US" sz="2800" dirty="0">
-              <a:solidFill>
-                <a:schemeClr val="accent1"/>
-              </a:solidFill>
-              <a:latin typeface="+mj-ea"/>
-              <a:ea typeface="+mj-ea"/>
-            </a:endParaRPr>
           </a:p>
         </p:txBody>
       </p:sp>
@@ -4142,7 +4202,7 @@
           <p:cNvPr id="2" name="제목 1">
             <a:extLst>
               <a:ext uri="{FF2B5EF4-FFF2-40B4-BE49-F238E27FC236}">
-                <a16:creationId xmlns:a16="http://schemas.microsoft.com/office/drawing/2014/main" id="{635C47BF-19DD-7A68-913E-EF8F14DBA234}"/>
+                <a16:creationId xmlns:a16="http://schemas.microsoft.com/office/drawing/2014/main" xmlns="" id="{635C47BF-19DD-7A68-913E-EF8F14DBA234}"/>
               </a:ext>
             </a:extLst>
           </p:cNvPr>
@@ -4186,7 +4246,7 @@
           <p:cNvPr id="10" name="화살표: 오른쪽 9">
             <a:extLst>
               <a:ext uri="{FF2B5EF4-FFF2-40B4-BE49-F238E27FC236}">
-                <a16:creationId xmlns:a16="http://schemas.microsoft.com/office/drawing/2014/main" id="{7F190A1E-9D7C-38C6-05E4-0EBF34278A5B}"/>
+                <a16:creationId xmlns:a16="http://schemas.microsoft.com/office/drawing/2014/main" xmlns="" id="{7F190A1E-9D7C-38C6-05E4-0EBF34278A5B}"/>
               </a:ext>
             </a:extLst>
           </p:cNvPr>
@@ -4232,7 +4292,7 @@
           <p:cNvPr id="12" name="TextBox 11">
             <a:extLst>
               <a:ext uri="{FF2B5EF4-FFF2-40B4-BE49-F238E27FC236}">
-                <a16:creationId xmlns:a16="http://schemas.microsoft.com/office/drawing/2014/main" id="{F128FE74-0958-FDAB-9337-1C4EE43C54F8}"/>
+                <a16:creationId xmlns:a16="http://schemas.microsoft.com/office/drawing/2014/main" xmlns="" id="{F128FE74-0958-FDAB-9337-1C4EE43C54F8}"/>
               </a:ext>
             </a:extLst>
           </p:cNvPr>
@@ -4331,7 +4391,7 @@
           <p:cNvPr id="2" name="제목 1">
             <a:extLst>
               <a:ext uri="{FF2B5EF4-FFF2-40B4-BE49-F238E27FC236}">
-                <a16:creationId xmlns:a16="http://schemas.microsoft.com/office/drawing/2014/main" id="{635C47BF-19DD-7A68-913E-EF8F14DBA234}"/>
+                <a16:creationId xmlns:a16="http://schemas.microsoft.com/office/drawing/2014/main" xmlns="" id="{635C47BF-19DD-7A68-913E-EF8F14DBA234}"/>
               </a:ext>
             </a:extLst>
           </p:cNvPr>
@@ -4375,7 +4435,7 @@
           <p:cNvPr id="10" name="화살표: 오른쪽 9">
             <a:extLst>
               <a:ext uri="{FF2B5EF4-FFF2-40B4-BE49-F238E27FC236}">
-                <a16:creationId xmlns:a16="http://schemas.microsoft.com/office/drawing/2014/main" id="{7F190A1E-9D7C-38C6-05E4-0EBF34278A5B}"/>
+                <a16:creationId xmlns:a16="http://schemas.microsoft.com/office/drawing/2014/main" xmlns="" id="{7F190A1E-9D7C-38C6-05E4-0EBF34278A5B}"/>
               </a:ext>
             </a:extLst>
           </p:cNvPr>
@@ -4421,7 +4481,7 @@
           <p:cNvPr id="12" name="TextBox 11">
             <a:extLst>
               <a:ext uri="{FF2B5EF4-FFF2-40B4-BE49-F238E27FC236}">
-                <a16:creationId xmlns:a16="http://schemas.microsoft.com/office/drawing/2014/main" id="{F128FE74-0958-FDAB-9337-1C4EE43C54F8}"/>
+                <a16:creationId xmlns:a16="http://schemas.microsoft.com/office/drawing/2014/main" xmlns="" id="{F128FE74-0958-FDAB-9337-1C4EE43C54F8}"/>
               </a:ext>
             </a:extLst>
           </p:cNvPr>
@@ -4520,7 +4580,7 @@
           <p:cNvPr id="2" name="제목 1">
             <a:extLst>
               <a:ext uri="{FF2B5EF4-FFF2-40B4-BE49-F238E27FC236}">
-                <a16:creationId xmlns:a16="http://schemas.microsoft.com/office/drawing/2014/main" id="{635C47BF-19DD-7A68-913E-EF8F14DBA234}"/>
+                <a16:creationId xmlns:a16="http://schemas.microsoft.com/office/drawing/2014/main" xmlns="" id="{635C47BF-19DD-7A68-913E-EF8F14DBA234}"/>
               </a:ext>
             </a:extLst>
           </p:cNvPr>
@@ -4564,7 +4624,7 @@
           <p:cNvPr id="10" name="화살표: 오른쪽 9">
             <a:extLst>
               <a:ext uri="{FF2B5EF4-FFF2-40B4-BE49-F238E27FC236}">
-                <a16:creationId xmlns:a16="http://schemas.microsoft.com/office/drawing/2014/main" id="{7F190A1E-9D7C-38C6-05E4-0EBF34278A5B}"/>
+                <a16:creationId xmlns:a16="http://schemas.microsoft.com/office/drawing/2014/main" xmlns="" id="{7F190A1E-9D7C-38C6-05E4-0EBF34278A5B}"/>
               </a:ext>
             </a:extLst>
           </p:cNvPr>
@@ -4610,7 +4670,7 @@
           <p:cNvPr id="12" name="TextBox 11">
             <a:extLst>
               <a:ext uri="{FF2B5EF4-FFF2-40B4-BE49-F238E27FC236}">
-                <a16:creationId xmlns:a16="http://schemas.microsoft.com/office/drawing/2014/main" id="{F128FE74-0958-FDAB-9337-1C4EE43C54F8}"/>
+                <a16:creationId xmlns:a16="http://schemas.microsoft.com/office/drawing/2014/main" xmlns="" id="{F128FE74-0958-FDAB-9337-1C4EE43C54F8}"/>
               </a:ext>
             </a:extLst>
           </p:cNvPr>
@@ -4709,7 +4769,7 @@
           <p:cNvPr id="2" name="제목 1">
             <a:extLst>
               <a:ext uri="{FF2B5EF4-FFF2-40B4-BE49-F238E27FC236}">
-                <a16:creationId xmlns:a16="http://schemas.microsoft.com/office/drawing/2014/main" id="{635C47BF-19DD-7A68-913E-EF8F14DBA234}"/>
+                <a16:creationId xmlns:a16="http://schemas.microsoft.com/office/drawing/2014/main" xmlns="" id="{635C47BF-19DD-7A68-913E-EF8F14DBA234}"/>
               </a:ext>
             </a:extLst>
           </p:cNvPr>
@@ -4753,7 +4813,7 @@
           <p:cNvPr id="10" name="화살표: 오른쪽 9">
             <a:extLst>
               <a:ext uri="{FF2B5EF4-FFF2-40B4-BE49-F238E27FC236}">
-                <a16:creationId xmlns:a16="http://schemas.microsoft.com/office/drawing/2014/main" id="{7F190A1E-9D7C-38C6-05E4-0EBF34278A5B}"/>
+                <a16:creationId xmlns:a16="http://schemas.microsoft.com/office/drawing/2014/main" xmlns="" id="{7F190A1E-9D7C-38C6-05E4-0EBF34278A5B}"/>
               </a:ext>
             </a:extLst>
           </p:cNvPr>
@@ -4799,7 +4859,7 @@
           <p:cNvPr id="12" name="TextBox 11">
             <a:extLst>
               <a:ext uri="{FF2B5EF4-FFF2-40B4-BE49-F238E27FC236}">
-                <a16:creationId xmlns:a16="http://schemas.microsoft.com/office/drawing/2014/main" id="{F128FE74-0958-FDAB-9337-1C4EE43C54F8}"/>
+                <a16:creationId xmlns:a16="http://schemas.microsoft.com/office/drawing/2014/main" xmlns="" id="{F128FE74-0958-FDAB-9337-1C4EE43C54F8}"/>
               </a:ext>
             </a:extLst>
           </p:cNvPr>
@@ -4898,7 +4958,7 @@
           <p:cNvPr id="2" name="제목 1">
             <a:extLst>
               <a:ext uri="{FF2B5EF4-FFF2-40B4-BE49-F238E27FC236}">
-                <a16:creationId xmlns:a16="http://schemas.microsoft.com/office/drawing/2014/main" id="{635C47BF-19DD-7A68-913E-EF8F14DBA234}"/>
+                <a16:creationId xmlns:a16="http://schemas.microsoft.com/office/drawing/2014/main" xmlns="" id="{635C47BF-19DD-7A68-913E-EF8F14DBA234}"/>
               </a:ext>
             </a:extLst>
           </p:cNvPr>
@@ -4942,7 +5002,7 @@
           <p:cNvPr id="10" name="화살표: 오른쪽 9">
             <a:extLst>
               <a:ext uri="{FF2B5EF4-FFF2-40B4-BE49-F238E27FC236}">
-                <a16:creationId xmlns:a16="http://schemas.microsoft.com/office/drawing/2014/main" id="{7F190A1E-9D7C-38C6-05E4-0EBF34278A5B}"/>
+                <a16:creationId xmlns:a16="http://schemas.microsoft.com/office/drawing/2014/main" xmlns="" id="{7F190A1E-9D7C-38C6-05E4-0EBF34278A5B}"/>
               </a:ext>
             </a:extLst>
           </p:cNvPr>
@@ -4988,7 +5048,7 @@
           <p:cNvPr id="12" name="TextBox 11">
             <a:extLst>
               <a:ext uri="{FF2B5EF4-FFF2-40B4-BE49-F238E27FC236}">
-                <a16:creationId xmlns:a16="http://schemas.microsoft.com/office/drawing/2014/main" id="{F128FE74-0958-FDAB-9337-1C4EE43C54F8}"/>
+                <a16:creationId xmlns:a16="http://schemas.microsoft.com/office/drawing/2014/main" xmlns="" id="{F128FE74-0958-FDAB-9337-1C4EE43C54F8}"/>
               </a:ext>
             </a:extLst>
           </p:cNvPr>

--- a/과제PPT/기업업무 6강.pptx
+++ b/과제PPT/기업업무 6강.pptx
@@ -6,14 +6,17 @@
   </p:sldMasterIdLst>
   <p:sldIdLst>
     <p:sldId id="256" r:id="rId2"/>
-    <p:sldId id="320" r:id="rId3"/>
-    <p:sldId id="294" r:id="rId4"/>
-    <p:sldId id="321" r:id="rId5"/>
-    <p:sldId id="322" r:id="rId6"/>
-    <p:sldId id="323" r:id="rId7"/>
-    <p:sldId id="324" r:id="rId8"/>
-    <p:sldId id="325" r:id="rId9"/>
-    <p:sldId id="326" r:id="rId10"/>
+    <p:sldId id="294" r:id="rId3"/>
+    <p:sldId id="321" r:id="rId4"/>
+    <p:sldId id="322" r:id="rId5"/>
+    <p:sldId id="327" r:id="rId6"/>
+    <p:sldId id="328" r:id="rId7"/>
+    <p:sldId id="329" r:id="rId8"/>
+    <p:sldId id="330" r:id="rId9"/>
+    <p:sldId id="331" r:id="rId10"/>
+    <p:sldId id="332" r:id="rId11"/>
+    <p:sldId id="333" r:id="rId12"/>
+    <p:sldId id="334" r:id="rId13"/>
   </p:sldIdLst>
   <p:sldSz cx="12192000" cy="6858000"/>
   <p:notesSz cx="6858000" cy="9144000"/>
@@ -332,7 +335,7 @@
             <a:fld id="{96DFF08F-DC6B-4601-B491-B0F83F6DD2DA}" type="datetimeFigureOut">
               <a:rPr lang="en-US" dirty="0"/>
               <a:pPr/>
-              <a:t>6/7/2023</a:t>
+              <a:t>6/8/2023</a:t>
             </a:fld>
             <a:endParaRPr lang="en-US" dirty="0"/>
           </a:p>
@@ -549,7 +552,7 @@
           <a:p>
             <a:fld id="{96DFF08F-DC6B-4601-B491-B0F83F6DD2DA}" type="datetimeFigureOut">
               <a:rPr lang="en-US" dirty="0"/>
-              <a:t>6/7/2023</a:t>
+              <a:t>6/8/2023</a:t>
             </a:fld>
             <a:endParaRPr lang="en-US" dirty="0"/>
           </a:p>
@@ -724,7 +727,7 @@
           <a:p>
             <a:fld id="{96DFF08F-DC6B-4601-B491-B0F83F6DD2DA}" type="datetimeFigureOut">
               <a:rPr lang="en-US" dirty="0"/>
-              <a:t>6/7/2023</a:t>
+              <a:t>6/8/2023</a:t>
             </a:fld>
             <a:endParaRPr lang="en-US" dirty="0"/>
           </a:p>
@@ -889,7 +892,7 @@
           <a:p>
             <a:fld id="{96DFF08F-DC6B-4601-B491-B0F83F6DD2DA}" type="datetimeFigureOut">
               <a:rPr lang="en-US" dirty="0"/>
-              <a:t>6/7/2023</a:t>
+              <a:t>6/8/2023</a:t>
             </a:fld>
             <a:endParaRPr lang="en-US" dirty="0"/>
           </a:p>
@@ -1158,7 +1161,7 @@
           <a:p>
             <a:fld id="{96DFF08F-DC6B-4601-B491-B0F83F6DD2DA}" type="datetimeFigureOut">
               <a:rPr lang="en-US" dirty="0"/>
-              <a:t>6/7/2023</a:t>
+              <a:t>6/8/2023</a:t>
             </a:fld>
             <a:endParaRPr lang="en-US" dirty="0"/>
           </a:p>
@@ -1476,7 +1479,7 @@
           <a:p>
             <a:fld id="{96DFF08F-DC6B-4601-B491-B0F83F6DD2DA}" type="datetimeFigureOut">
               <a:rPr lang="en-US" dirty="0"/>
-              <a:t>6/7/2023</a:t>
+              <a:t>6/8/2023</a:t>
             </a:fld>
             <a:endParaRPr lang="en-US" dirty="0"/>
           </a:p>
@@ -1895,7 +1898,7 @@
           <a:p>
             <a:fld id="{96DFF08F-DC6B-4601-B491-B0F83F6DD2DA}" type="datetimeFigureOut">
               <a:rPr lang="en-US" dirty="0"/>
-              <a:t>6/7/2023</a:t>
+              <a:t>6/8/2023</a:t>
             </a:fld>
             <a:endParaRPr lang="en-US" dirty="0"/>
           </a:p>
@@ -2008,7 +2011,7 @@
           <a:p>
             <a:fld id="{96DFF08F-DC6B-4601-B491-B0F83F6DD2DA}" type="datetimeFigureOut">
               <a:rPr lang="en-US" dirty="0"/>
-              <a:t>6/7/2023</a:t>
+              <a:t>6/8/2023</a:t>
             </a:fld>
             <a:endParaRPr lang="en-US" dirty="0"/>
           </a:p>
@@ -2098,7 +2101,7 @@
           <a:p>
             <a:fld id="{96DFF08F-DC6B-4601-B491-B0F83F6DD2DA}" type="datetimeFigureOut">
               <a:rPr lang="en-US" dirty="0"/>
-              <a:t>6/7/2023</a:t>
+              <a:t>6/8/2023</a:t>
             </a:fld>
             <a:endParaRPr lang="en-US" dirty="0"/>
           </a:p>
@@ -2383,7 +2386,7 @@
           <a:p>
             <a:fld id="{96DFF08F-DC6B-4601-B491-B0F83F6DD2DA}" type="datetimeFigureOut">
               <a:rPr lang="en-US" dirty="0"/>
-              <a:t>6/7/2023</a:t>
+              <a:t>6/8/2023</a:t>
             </a:fld>
             <a:endParaRPr lang="en-US" dirty="0"/>
           </a:p>
@@ -2650,7 +2653,7 @@
           <a:p>
             <a:fld id="{96DFF08F-DC6B-4601-B491-B0F83F6DD2DA}" type="datetimeFigureOut">
               <a:rPr lang="en-US" dirty="0"/>
-              <a:t>6/7/2023</a:t>
+              <a:t>6/8/2023</a:t>
             </a:fld>
             <a:endParaRPr lang="en-US" dirty="0"/>
           </a:p>
@@ -2900,7 +2903,7 @@
             <a:fld id="{96DFF08F-DC6B-4601-B491-B0F83F6DD2DA}" type="datetimeFigureOut">
               <a:rPr lang="en-US" dirty="0"/>
               <a:pPr/>
-              <a:t>6/7/2023</a:t>
+              <a:t>6/8/2023</a:t>
             </a:fld>
             <a:endParaRPr lang="en-US" dirty="0"/>
           </a:p>
@@ -3554,6 +3557,603 @@
 </p:sld>
 </file>
 
+<file path=ppt/slides/slide10.xml><?xml version="1.0" encoding="utf-8"?>
+<p:sld xmlns:a="http://schemas.openxmlformats.org/drawingml/2006/main" xmlns:r="http://schemas.openxmlformats.org/officeDocument/2006/relationships" xmlns:p="http://schemas.openxmlformats.org/presentationml/2006/main">
+  <p:cSld>
+    <p:spTree>
+      <p:nvGrpSpPr>
+        <p:cNvPr id="1" name=""/>
+        <p:cNvGrpSpPr/>
+        <p:nvPr/>
+      </p:nvGrpSpPr>
+      <p:grpSpPr>
+        <a:xfrm>
+          <a:off x="0" y="0"/>
+          <a:ext cx="0" cy="0"/>
+          <a:chOff x="0" y="0"/>
+          <a:chExt cx="0" cy="0"/>
+        </a:xfrm>
+      </p:grpSpPr>
+      <p:sp>
+        <p:nvSpPr>
+          <p:cNvPr id="2" name="TextBox 1">
+            <a:extLst>
+              <a:ext uri="{FF2B5EF4-FFF2-40B4-BE49-F238E27FC236}">
+                <a16:creationId xmlns:a16="http://schemas.microsoft.com/office/drawing/2014/main" id="{26E3E64B-8333-69DE-C4A5-E7ACE2C97759}"/>
+              </a:ext>
+            </a:extLst>
+          </p:cNvPr>
+          <p:cNvSpPr txBox="1"/>
+          <p:nvPr/>
+        </p:nvSpPr>
+        <p:spPr>
+          <a:xfrm>
+            <a:off x="375526" y="517337"/>
+            <a:ext cx="11440948" cy="574966"/>
+          </a:xfrm>
+          <a:prstGeom prst="rect">
+            <a:avLst/>
+          </a:prstGeom>
+          <a:noFill/>
+        </p:spPr>
+        <p:txBody>
+          <a:bodyPr wrap="square" rtlCol="0">
+            <a:spAutoFit/>
+          </a:bodyPr>
+          <a:lstStyle/>
+          <a:p>
+            <a:pPr marL="285750" indent="-285750">
+              <a:lnSpc>
+                <a:spcPct val="150000"/>
+              </a:lnSpc>
+              <a:buFont typeface="Arial" panose="020B0604020202020204" pitchFamily="34" charset="0"/>
+              <a:buChar char="•"/>
+            </a:pPr>
+            <a:r>
+              <a:rPr lang="ko-KR" altLang="en-US" sz="2400" dirty="0">
+                <a:latin typeface="+mj-ea"/>
+                <a:ea typeface="+mj-ea"/>
+              </a:rPr>
+              <a:t>내일 날짜의 기상 정보 데이터 출력부분</a:t>
+            </a:r>
+          </a:p>
+        </p:txBody>
+      </p:sp>
+      <p:pic>
+        <p:nvPicPr>
+          <p:cNvPr id="4" name="그림 3">
+            <a:extLst>
+              <a:ext uri="{FF2B5EF4-FFF2-40B4-BE49-F238E27FC236}">
+                <a16:creationId xmlns:a16="http://schemas.microsoft.com/office/drawing/2014/main" id="{A644FF93-2C2E-95E7-02B6-D984A079ACD0}"/>
+              </a:ext>
+            </a:extLst>
+          </p:cNvPr>
+          <p:cNvPicPr>
+            <a:picLocks noChangeAspect="1"/>
+          </p:cNvPicPr>
+          <p:nvPr/>
+        </p:nvPicPr>
+        <p:blipFill>
+          <a:blip r:embed="rId2"/>
+          <a:stretch>
+            <a:fillRect/>
+          </a:stretch>
+        </p:blipFill>
+        <p:spPr>
+          <a:xfrm>
+            <a:off x="375526" y="1384895"/>
+            <a:ext cx="6087325" cy="4877481"/>
+          </a:xfrm>
+          <a:prstGeom prst="rect">
+            <a:avLst/>
+          </a:prstGeom>
+        </p:spPr>
+      </p:pic>
+      <p:pic>
+        <p:nvPicPr>
+          <p:cNvPr id="6" name="그림 5">
+            <a:extLst>
+              <a:ext uri="{FF2B5EF4-FFF2-40B4-BE49-F238E27FC236}">
+                <a16:creationId xmlns:a16="http://schemas.microsoft.com/office/drawing/2014/main" id="{19F2CA4A-43EE-9E10-037F-DC0A8A6DBDC2}"/>
+              </a:ext>
+            </a:extLst>
+          </p:cNvPr>
+          <p:cNvPicPr>
+            <a:picLocks noChangeAspect="1"/>
+          </p:cNvPicPr>
+          <p:nvPr/>
+        </p:nvPicPr>
+        <p:blipFill>
+          <a:blip r:embed="rId3"/>
+          <a:stretch>
+            <a:fillRect/>
+          </a:stretch>
+        </p:blipFill>
+        <p:spPr>
+          <a:xfrm>
+            <a:off x="6587607" y="1384894"/>
+            <a:ext cx="5228867" cy="4185181"/>
+          </a:xfrm>
+          <a:prstGeom prst="rect">
+            <a:avLst/>
+          </a:prstGeom>
+        </p:spPr>
+      </p:pic>
+    </p:spTree>
+    <p:extLst>
+      <p:ext uri="{BB962C8B-B14F-4D97-AF65-F5344CB8AC3E}">
+        <p14:creationId xmlns:p14="http://schemas.microsoft.com/office/powerpoint/2010/main" val="4137433751"/>
+      </p:ext>
+    </p:extLst>
+  </p:cSld>
+  <p:clrMapOvr>
+    <a:masterClrMapping/>
+  </p:clrMapOvr>
+</p:sld>
+</file>
+
+<file path=ppt/slides/slide11.xml><?xml version="1.0" encoding="utf-8"?>
+<p:sld xmlns:a="http://schemas.openxmlformats.org/drawingml/2006/main" xmlns:r="http://schemas.openxmlformats.org/officeDocument/2006/relationships" xmlns:p="http://schemas.openxmlformats.org/presentationml/2006/main">
+  <p:cSld>
+    <p:spTree>
+      <p:nvGrpSpPr>
+        <p:cNvPr id="1" name=""/>
+        <p:cNvGrpSpPr/>
+        <p:nvPr/>
+      </p:nvGrpSpPr>
+      <p:grpSpPr>
+        <a:xfrm>
+          <a:off x="0" y="0"/>
+          <a:ext cx="0" cy="0"/>
+          <a:chOff x="0" y="0"/>
+          <a:chExt cx="0" cy="0"/>
+        </a:xfrm>
+      </p:grpSpPr>
+      <p:sp>
+        <p:nvSpPr>
+          <p:cNvPr id="2" name="TextBox 1">
+            <a:extLst>
+              <a:ext uri="{FF2B5EF4-FFF2-40B4-BE49-F238E27FC236}">
+                <a16:creationId xmlns:a16="http://schemas.microsoft.com/office/drawing/2014/main" id="{82ADF71F-2C8F-3540-3824-12A9FB88A280}"/>
+              </a:ext>
+            </a:extLst>
+          </p:cNvPr>
+          <p:cNvSpPr txBox="1"/>
+          <p:nvPr/>
+        </p:nvSpPr>
+        <p:spPr>
+          <a:xfrm>
+            <a:off x="375526" y="517337"/>
+            <a:ext cx="11440948" cy="574966"/>
+          </a:xfrm>
+          <a:prstGeom prst="rect">
+            <a:avLst/>
+          </a:prstGeom>
+          <a:noFill/>
+        </p:spPr>
+        <p:txBody>
+          <a:bodyPr wrap="square" rtlCol="0">
+            <a:spAutoFit/>
+          </a:bodyPr>
+          <a:lstStyle/>
+          <a:p>
+            <a:pPr marL="285750" indent="-285750">
+              <a:lnSpc>
+                <a:spcPct val="150000"/>
+              </a:lnSpc>
+              <a:buFont typeface="Arial" panose="020B0604020202020204" pitchFamily="34" charset="0"/>
+              <a:buChar char="•"/>
+            </a:pPr>
+            <a:r>
+              <a:rPr lang="ko-KR" altLang="en-US" sz="2400" dirty="0">
+                <a:latin typeface="+mj-ea"/>
+                <a:ea typeface="+mj-ea"/>
+              </a:rPr>
+              <a:t>모레 날짜의 기상 정보 데이터 출력부분</a:t>
+            </a:r>
+          </a:p>
+        </p:txBody>
+      </p:sp>
+      <p:pic>
+        <p:nvPicPr>
+          <p:cNvPr id="4" name="그림 3">
+            <a:extLst>
+              <a:ext uri="{FF2B5EF4-FFF2-40B4-BE49-F238E27FC236}">
+                <a16:creationId xmlns:a16="http://schemas.microsoft.com/office/drawing/2014/main" id="{77D086B2-D500-88FF-CF22-AEDC18E5CA67}"/>
+              </a:ext>
+            </a:extLst>
+          </p:cNvPr>
+          <p:cNvPicPr>
+            <a:picLocks noChangeAspect="1"/>
+          </p:cNvPicPr>
+          <p:nvPr/>
+        </p:nvPicPr>
+        <p:blipFill>
+          <a:blip r:embed="rId2"/>
+          <a:stretch>
+            <a:fillRect/>
+          </a:stretch>
+        </p:blipFill>
+        <p:spPr>
+          <a:xfrm>
+            <a:off x="375526" y="1413573"/>
+            <a:ext cx="6134956" cy="4839375"/>
+          </a:xfrm>
+          <a:prstGeom prst="rect">
+            <a:avLst/>
+          </a:prstGeom>
+        </p:spPr>
+      </p:pic>
+      <p:pic>
+        <p:nvPicPr>
+          <p:cNvPr id="6" name="그림 5">
+            <a:extLst>
+              <a:ext uri="{FF2B5EF4-FFF2-40B4-BE49-F238E27FC236}">
+                <a16:creationId xmlns:a16="http://schemas.microsoft.com/office/drawing/2014/main" id="{017B6EFE-BB2C-25D8-7EB9-D516D132ED9D}"/>
+              </a:ext>
+            </a:extLst>
+          </p:cNvPr>
+          <p:cNvPicPr>
+            <a:picLocks noChangeAspect="1"/>
+          </p:cNvPicPr>
+          <p:nvPr/>
+        </p:nvPicPr>
+        <p:blipFill>
+          <a:blip r:embed="rId3"/>
+          <a:stretch>
+            <a:fillRect/>
+          </a:stretch>
+        </p:blipFill>
+        <p:spPr>
+          <a:xfrm>
+            <a:off x="6627494" y="1413572"/>
+            <a:ext cx="5188980" cy="4453303"/>
+          </a:xfrm>
+          <a:prstGeom prst="rect">
+            <a:avLst/>
+          </a:prstGeom>
+        </p:spPr>
+      </p:pic>
+    </p:spTree>
+    <p:extLst>
+      <p:ext uri="{BB962C8B-B14F-4D97-AF65-F5344CB8AC3E}">
+        <p14:creationId xmlns:p14="http://schemas.microsoft.com/office/powerpoint/2010/main" val="869351224"/>
+      </p:ext>
+    </p:extLst>
+  </p:cSld>
+  <p:clrMapOvr>
+    <a:masterClrMapping/>
+  </p:clrMapOvr>
+</p:sld>
+</file>
+
+<file path=ppt/slides/slide12.xml><?xml version="1.0" encoding="utf-8"?>
+<p:sld xmlns:a="http://schemas.openxmlformats.org/drawingml/2006/main" xmlns:r="http://schemas.openxmlformats.org/officeDocument/2006/relationships" xmlns:p="http://schemas.openxmlformats.org/presentationml/2006/main">
+  <p:cSld>
+    <p:spTree>
+      <p:nvGrpSpPr>
+        <p:cNvPr id="1" name=""/>
+        <p:cNvGrpSpPr/>
+        <p:nvPr/>
+      </p:nvGrpSpPr>
+      <p:grpSpPr>
+        <a:xfrm>
+          <a:off x="0" y="0"/>
+          <a:ext cx="0" cy="0"/>
+          <a:chOff x="0" y="0"/>
+          <a:chExt cx="0" cy="0"/>
+        </a:xfrm>
+      </p:grpSpPr>
+      <p:sp>
+        <p:nvSpPr>
+          <p:cNvPr id="2" name="제목 1">
+            <a:extLst>
+              <a:ext uri="{FF2B5EF4-FFF2-40B4-BE49-F238E27FC236}">
+                <a16:creationId xmlns:a16="http://schemas.microsoft.com/office/drawing/2014/main" id="{98CFAB4F-4C29-06B9-4C14-A3AEDD4249D8}"/>
+              </a:ext>
+            </a:extLst>
+          </p:cNvPr>
+          <p:cNvSpPr txBox="1">
+            <a:spLocks/>
+          </p:cNvSpPr>
+          <p:nvPr/>
+        </p:nvSpPr>
+        <p:spPr>
+          <a:xfrm>
+            <a:off x="460071" y="425480"/>
+            <a:ext cx="8934185" cy="481781"/>
+          </a:xfrm>
+          <a:prstGeom prst="rect">
+            <a:avLst/>
+          </a:prstGeom>
+        </p:spPr>
+        <p:txBody>
+          <a:bodyPr>
+            <a:noAutofit/>
+          </a:bodyPr>
+          <a:lstStyle>
+            <a:lvl1pPr algn="l" defTabSz="914400" rtl="0" eaLnBrk="1" latinLnBrk="1" hangingPunct="1">
+              <a:lnSpc>
+                <a:spcPct val="90000"/>
+              </a:lnSpc>
+              <a:spcBef>
+                <a:spcPct val="0"/>
+              </a:spcBef>
+              <a:buNone/>
+              <a:defRPr sz="4400" kern="1200">
+                <a:solidFill>
+                  <a:schemeClr val="accent1"/>
+                </a:solidFill>
+                <a:latin typeface="+mj-lt"/>
+                <a:ea typeface="+mj-ea"/>
+                <a:cs typeface="+mj-cs"/>
+              </a:defRPr>
+            </a:lvl1pPr>
+          </a:lstStyle>
+          <a:p>
+            <a:pPr marL="571500" indent="-571500">
+              <a:buFont typeface="Arial" panose="020B0604020202020204" pitchFamily="34" charset="0"/>
+              <a:buChar char="•"/>
+            </a:pPr>
+            <a:r>
+              <a:rPr lang="ko-KR" altLang="en-US" sz="3200" dirty="0">
+                <a:latin typeface="+mj-ea"/>
+              </a:rPr>
+              <a:t>기상청 동네예보 </a:t>
+            </a:r>
+            <a:r>
+              <a:rPr lang="en-US" altLang="ko-KR" sz="3200" dirty="0">
+                <a:latin typeface="+mj-ea"/>
+              </a:rPr>
+              <a:t>(</a:t>
+            </a:r>
+            <a:r>
+              <a:rPr lang="ko-KR" altLang="en-US" sz="3200" dirty="0">
+                <a:latin typeface="+mj-ea"/>
+              </a:rPr>
+              <a:t>오픈 </a:t>
+            </a:r>
+            <a:r>
+              <a:rPr lang="en-US" altLang="ko-KR" sz="3200" dirty="0">
+                <a:latin typeface="+mj-ea"/>
+              </a:rPr>
+              <a:t>API)</a:t>
+            </a:r>
+            <a:r>
+              <a:rPr lang="ko-KR" altLang="en-US" sz="3200" dirty="0">
+                <a:latin typeface="+mj-ea"/>
+              </a:rPr>
+              <a:t> 실습 실행 화면</a:t>
+            </a:r>
+          </a:p>
+        </p:txBody>
+      </p:sp>
+      <p:pic>
+        <p:nvPicPr>
+          <p:cNvPr id="6" name="그림 5">
+            <a:extLst>
+              <a:ext uri="{FF2B5EF4-FFF2-40B4-BE49-F238E27FC236}">
+                <a16:creationId xmlns:a16="http://schemas.microsoft.com/office/drawing/2014/main" id="{BD2B65A7-837F-A438-F2FA-EF774C3514AB}"/>
+              </a:ext>
+            </a:extLst>
+          </p:cNvPr>
+          <p:cNvPicPr>
+            <a:picLocks noChangeAspect="1"/>
+          </p:cNvPicPr>
+          <p:nvPr/>
+        </p:nvPicPr>
+        <p:blipFill>
+          <a:blip r:embed="rId2"/>
+          <a:stretch>
+            <a:fillRect/>
+          </a:stretch>
+        </p:blipFill>
+        <p:spPr>
+          <a:xfrm>
+            <a:off x="386365" y="1281286"/>
+            <a:ext cx="11419270" cy="3752728"/>
+          </a:xfrm>
+          <a:prstGeom prst="rect">
+            <a:avLst/>
+          </a:prstGeom>
+        </p:spPr>
+      </p:pic>
+      <p:sp>
+        <p:nvSpPr>
+          <p:cNvPr id="7" name="TextBox 6">
+            <a:extLst>
+              <a:ext uri="{FF2B5EF4-FFF2-40B4-BE49-F238E27FC236}">
+                <a16:creationId xmlns:a16="http://schemas.microsoft.com/office/drawing/2014/main" id="{F05F23E8-8087-54DF-358F-0526F852120B}"/>
+              </a:ext>
+            </a:extLst>
+          </p:cNvPr>
+          <p:cNvSpPr txBox="1"/>
+          <p:nvPr/>
+        </p:nvSpPr>
+        <p:spPr>
+          <a:xfrm>
+            <a:off x="460071" y="5130267"/>
+            <a:ext cx="11440948" cy="1152688"/>
+          </a:xfrm>
+          <a:prstGeom prst="rect">
+            <a:avLst/>
+          </a:prstGeom>
+          <a:noFill/>
+        </p:spPr>
+        <p:txBody>
+          <a:bodyPr wrap="square" rtlCol="0">
+            <a:spAutoFit/>
+          </a:bodyPr>
+          <a:lstStyle/>
+          <a:p>
+            <a:pPr marL="285750" indent="-285750">
+              <a:lnSpc>
+                <a:spcPct val="150000"/>
+              </a:lnSpc>
+              <a:buFont typeface="Arial" panose="020B0604020202020204" pitchFamily="34" charset="0"/>
+              <a:buChar char="•"/>
+            </a:pPr>
+            <a:r>
+              <a:rPr lang="ko-KR" altLang="en-US" sz="1600" dirty="0">
+                <a:latin typeface="+mj-ea"/>
+                <a:ea typeface="+mj-ea"/>
+              </a:rPr>
+              <a:t>우리집의 격자 좌표를 통해 실시간 날씨 데이터 출력</a:t>
+            </a:r>
+            <a:endParaRPr lang="en-US" altLang="ko-KR" sz="1600" dirty="0">
+              <a:latin typeface="+mj-ea"/>
+              <a:ea typeface="+mj-ea"/>
+            </a:endParaRPr>
+          </a:p>
+          <a:p>
+            <a:pPr marL="285750" indent="-285750">
+              <a:lnSpc>
+                <a:spcPct val="150000"/>
+              </a:lnSpc>
+              <a:buFont typeface="Arial" panose="020B0604020202020204" pitchFamily="34" charset="0"/>
+              <a:buChar char="•"/>
+            </a:pPr>
+            <a:r>
+              <a:rPr lang="ko-KR" altLang="en-US" sz="1600" dirty="0">
+                <a:latin typeface="+mj-ea"/>
+                <a:ea typeface="+mj-ea"/>
+              </a:rPr>
+              <a:t>오늘</a:t>
+            </a:r>
+            <a:r>
+              <a:rPr lang="en-US" altLang="ko-KR" sz="1600" dirty="0">
+                <a:latin typeface="+mj-ea"/>
+                <a:ea typeface="+mj-ea"/>
+              </a:rPr>
+              <a:t>,</a:t>
+            </a:r>
+            <a:r>
+              <a:rPr lang="ko-KR" altLang="en-US" sz="1600" dirty="0">
+                <a:latin typeface="+mj-ea"/>
+                <a:ea typeface="+mj-ea"/>
+              </a:rPr>
+              <a:t>내일</a:t>
+            </a:r>
+            <a:r>
+              <a:rPr lang="en-US" altLang="ko-KR" sz="1600" dirty="0">
+                <a:latin typeface="+mj-ea"/>
+                <a:ea typeface="+mj-ea"/>
+              </a:rPr>
+              <a:t>,</a:t>
+            </a:r>
+            <a:r>
+              <a:rPr lang="ko-KR" altLang="en-US" sz="1600" dirty="0">
+                <a:latin typeface="+mj-ea"/>
+                <a:ea typeface="+mj-ea"/>
+              </a:rPr>
+              <a:t>모레의 해당 데이터의 색상을 다르게 하여 </a:t>
+            </a:r>
+            <a:r>
+              <a:rPr lang="ko-KR" altLang="en-US" sz="1600" dirty="0" err="1">
+                <a:latin typeface="+mj-ea"/>
+                <a:ea typeface="+mj-ea"/>
+              </a:rPr>
+              <a:t>구분짓기</a:t>
+            </a:r>
+            <a:r>
+              <a:rPr lang="ko-KR" altLang="en-US" sz="1600" dirty="0">
+                <a:latin typeface="+mj-ea"/>
+                <a:ea typeface="+mj-ea"/>
+              </a:rPr>
+              <a:t> 쉽게 배경스타일을 지정해 주었다</a:t>
+            </a:r>
+            <a:r>
+              <a:rPr lang="en-US" altLang="ko-KR" sz="1600" dirty="0">
+                <a:latin typeface="+mj-ea"/>
+                <a:ea typeface="+mj-ea"/>
+              </a:rPr>
+              <a:t>.</a:t>
+            </a:r>
+          </a:p>
+          <a:p>
+            <a:pPr marL="285750" indent="-285750">
+              <a:lnSpc>
+                <a:spcPct val="150000"/>
+              </a:lnSpc>
+              <a:buFont typeface="Arial" panose="020B0604020202020204" pitchFamily="34" charset="0"/>
+              <a:buChar char="•"/>
+            </a:pPr>
+            <a:r>
+              <a:rPr lang="ko-KR" altLang="en-US" sz="1600" dirty="0">
+                <a:latin typeface="+mj-ea"/>
+                <a:ea typeface="+mj-ea"/>
+              </a:rPr>
+              <a:t>현재 날씨</a:t>
+            </a:r>
+            <a:r>
+              <a:rPr lang="en-US" altLang="ko-KR" sz="1600" dirty="0">
+                <a:latin typeface="+mj-ea"/>
+                <a:ea typeface="+mj-ea"/>
+              </a:rPr>
+              <a:t>, </a:t>
+            </a:r>
+            <a:r>
+              <a:rPr lang="ko-KR" altLang="en-US" sz="1600" dirty="0">
+                <a:latin typeface="+mj-ea"/>
+                <a:ea typeface="+mj-ea"/>
+              </a:rPr>
+              <a:t>강수상태</a:t>
+            </a:r>
+            <a:r>
+              <a:rPr lang="en-US" altLang="ko-KR" sz="1600" dirty="0">
+                <a:latin typeface="+mj-ea"/>
+                <a:ea typeface="+mj-ea"/>
+              </a:rPr>
+              <a:t>, </a:t>
+            </a:r>
+            <a:r>
+              <a:rPr lang="ko-KR" altLang="en-US" sz="1600" dirty="0">
+                <a:latin typeface="+mj-ea"/>
+                <a:ea typeface="+mj-ea"/>
+              </a:rPr>
+              <a:t>풍향에 이미지</a:t>
+            </a:r>
+            <a:r>
+              <a:rPr lang="en-US" altLang="ko-KR" sz="1600" dirty="0">
+                <a:latin typeface="+mj-ea"/>
+                <a:ea typeface="+mj-ea"/>
+              </a:rPr>
+              <a:t> </a:t>
+            </a:r>
+            <a:r>
+              <a:rPr lang="ko-KR" altLang="en-US" sz="1600" dirty="0">
+                <a:latin typeface="+mj-ea"/>
+                <a:ea typeface="+mj-ea"/>
+              </a:rPr>
+              <a:t>아이콘을 배치하여 날씨의 상황을 보기 쉽게 이미지화 하였다</a:t>
+            </a:r>
+            <a:r>
+              <a:rPr lang="en-US" altLang="ko-KR" sz="1600" dirty="0">
+                <a:latin typeface="+mj-ea"/>
+                <a:ea typeface="+mj-ea"/>
+              </a:rPr>
+              <a:t>.</a:t>
+            </a:r>
+            <a:endParaRPr lang="ko-KR" altLang="en-US" sz="1600" dirty="0">
+              <a:latin typeface="+mj-ea"/>
+              <a:ea typeface="+mj-ea"/>
+            </a:endParaRPr>
+          </a:p>
+        </p:txBody>
+      </p:sp>
+    </p:spTree>
+    <p:extLst>
+      <p:ext uri="{BB962C8B-B14F-4D97-AF65-F5344CB8AC3E}">
+        <p14:creationId xmlns:p14="http://schemas.microsoft.com/office/powerpoint/2010/main" val="668678655"/>
+      </p:ext>
+    </p:extLst>
+  </p:cSld>
+  <p:clrMapOvr>
+    <a:masterClrMapping/>
+  </p:clrMapOvr>
+</p:sld>
+</file>
+
 <file path=ppt/slides/slide2.xml><?xml version="1.0" encoding="utf-8"?>
 <p:sld xmlns:a="http://schemas.openxmlformats.org/drawingml/2006/main" xmlns:r="http://schemas.openxmlformats.org/officeDocument/2006/relationships" xmlns:p="http://schemas.openxmlformats.org/presentationml/2006/main">
   <p:cSld>
@@ -3571,16 +4171,172 @@
           <a:chExt cx="0" cy="0"/>
         </a:xfrm>
       </p:grpSpPr>
-      <p:sp>
-        <p:nvSpPr>
-          <p:cNvPr id="2" name="TextBox 1"/>
+      <p:pic>
+        <p:nvPicPr>
+          <p:cNvPr id="20" name="그림 19">
+            <a:extLst>
+              <a:ext uri="{FF2B5EF4-FFF2-40B4-BE49-F238E27FC236}">
+                <a16:creationId xmlns:a16="http://schemas.microsoft.com/office/drawing/2014/main" id="{E6AD7D25-A6E0-1B05-31FB-4094DE23FAA1}"/>
+              </a:ext>
+            </a:extLst>
+          </p:cNvPr>
+          <p:cNvPicPr>
+            <a:picLocks noChangeAspect="1"/>
+          </p:cNvPicPr>
+          <p:nvPr/>
+        </p:nvPicPr>
+        <p:blipFill>
+          <a:blip r:embed="rId2"/>
+          <a:stretch>
+            <a:fillRect/>
+          </a:stretch>
+        </p:blipFill>
+        <p:spPr>
+          <a:xfrm>
+            <a:off x="479323" y="1032385"/>
+            <a:ext cx="8034270" cy="5439975"/>
+          </a:xfrm>
+          <a:prstGeom prst="rect">
+            <a:avLst/>
+          </a:prstGeom>
+        </p:spPr>
+      </p:pic>
+      <p:pic>
+        <p:nvPicPr>
+          <p:cNvPr id="18" name="그림 17">
+            <a:extLst>
+              <a:ext uri="{FF2B5EF4-FFF2-40B4-BE49-F238E27FC236}">
+                <a16:creationId xmlns:a16="http://schemas.microsoft.com/office/drawing/2014/main" id="{07EE9033-35C8-CBB4-9D1E-31D11BC0F4C6}"/>
+              </a:ext>
+            </a:extLst>
+          </p:cNvPr>
+          <p:cNvPicPr>
+            <a:picLocks noChangeAspect="1"/>
+          </p:cNvPicPr>
+          <p:nvPr/>
+        </p:nvPicPr>
+        <p:blipFill>
+          <a:blip r:embed="rId3"/>
+          <a:stretch>
+            <a:fillRect/>
+          </a:stretch>
+        </p:blipFill>
+        <p:spPr>
+          <a:xfrm>
+            <a:off x="9009055" y="1032386"/>
+            <a:ext cx="2703622" cy="5439975"/>
+          </a:xfrm>
+          <a:prstGeom prst="rect">
+            <a:avLst/>
+          </a:prstGeom>
+        </p:spPr>
+      </p:pic>
+      <p:sp>
+        <p:nvSpPr>
+          <p:cNvPr id="2" name="제목 1">
+            <a:extLst>
+              <a:ext uri="{FF2B5EF4-FFF2-40B4-BE49-F238E27FC236}">
+                <a16:creationId xmlns:a16="http://schemas.microsoft.com/office/drawing/2014/main" id="{635C47BF-19DD-7A68-913E-EF8F14DBA234}"/>
+              </a:ext>
+            </a:extLst>
+          </p:cNvPr>
+          <p:cNvSpPr>
+            <a:spLocks noGrp="1"/>
+          </p:cNvSpPr>
+          <p:nvPr>
+            <p:ph type="title"/>
+          </p:nvPr>
+        </p:nvSpPr>
+        <p:spPr>
+          <a:xfrm>
+            <a:off x="479323" y="415852"/>
+            <a:ext cx="5295835" cy="481781"/>
+          </a:xfrm>
+        </p:spPr>
+        <p:txBody>
+          <a:bodyPr>
+            <a:noAutofit/>
+          </a:bodyPr>
+          <a:lstStyle/>
+          <a:p>
+            <a:pPr marL="571500" indent="-571500">
+              <a:buFont typeface="Arial" panose="020B0604020202020204" pitchFamily="34" charset="0"/>
+              <a:buChar char="•"/>
+            </a:pPr>
+            <a:r>
+              <a:rPr lang="en-US" altLang="ko-KR" sz="3200" dirty="0" err="1">
+                <a:latin typeface="+mj-ea"/>
+              </a:rPr>
+              <a:t>xmlmake.jsp</a:t>
+            </a:r>
+            <a:endParaRPr lang="ko-KR" altLang="en-US" sz="3200" dirty="0">
+              <a:latin typeface="+mj-ea"/>
+            </a:endParaRPr>
+          </a:p>
+        </p:txBody>
+      </p:sp>
+      <p:sp>
+        <p:nvSpPr>
+          <p:cNvPr id="10" name="화살표: 오른쪽 9">
+            <a:extLst>
+              <a:ext uri="{FF2B5EF4-FFF2-40B4-BE49-F238E27FC236}">
+                <a16:creationId xmlns:a16="http://schemas.microsoft.com/office/drawing/2014/main" id="{7F190A1E-9D7C-38C6-05E4-0EBF34278A5B}"/>
+              </a:ext>
+            </a:extLst>
+          </p:cNvPr>
+          <p:cNvSpPr/>
+          <p:nvPr/>
+        </p:nvSpPr>
+        <p:spPr>
+          <a:xfrm>
+            <a:off x="7947603" y="3592206"/>
+            <a:ext cx="1029904" cy="606391"/>
+          </a:xfrm>
+          <a:prstGeom prst="rightArrow">
+            <a:avLst/>
+          </a:prstGeom>
+        </p:spPr>
+        <p:style>
+          <a:lnRef idx="2">
+            <a:schemeClr val="accent1">
+              <a:shade val="50000"/>
+            </a:schemeClr>
+          </a:lnRef>
+          <a:fillRef idx="1">
+            <a:schemeClr val="accent1"/>
+          </a:fillRef>
+          <a:effectRef idx="0">
+            <a:schemeClr val="accent1"/>
+          </a:effectRef>
+          <a:fontRef idx="minor">
+            <a:schemeClr val="lt1"/>
+          </a:fontRef>
+        </p:style>
+        <p:txBody>
+          <a:bodyPr rtlCol="0" anchor="ctr"/>
+          <a:lstStyle/>
+          <a:p>
+            <a:pPr algn="ctr"/>
+            <a:endParaRPr lang="ko-KR" altLang="en-US"/>
+          </a:p>
+        </p:txBody>
+      </p:sp>
+      <p:sp>
+        <p:nvSpPr>
+          <p:cNvPr id="12" name="TextBox 11">
+            <a:extLst>
+              <a:ext uri="{FF2B5EF4-FFF2-40B4-BE49-F238E27FC236}">
+                <a16:creationId xmlns:a16="http://schemas.microsoft.com/office/drawing/2014/main" id="{F128FE74-0958-FDAB-9337-1C4EE43C54F8}"/>
+              </a:ext>
+            </a:extLst>
+          </p:cNvPr>
           <p:cNvSpPr txBox="1"/>
           <p:nvPr/>
         </p:nvSpPr>
         <p:spPr>
           <a:xfrm>
-            <a:off x="621792" y="2633472"/>
-            <a:ext cx="10735056" cy="923330"/>
+            <a:off x="8410027" y="423025"/>
+            <a:ext cx="3463826" cy="523220"/>
           </a:xfrm>
           <a:prstGeom prst="rect">
             <a:avLst/>
@@ -3595,76 +4351,41 @@
           <a:p>
             <a:pPr algn="ctr"/>
             <a:r>
-              <a:rPr lang="en-US" altLang="ko-KR" sz="5400" dirty="0" err="1">
+              <a:rPr lang="en-US" altLang="ko-KR" sz="2800" dirty="0">
                 <a:solidFill>
                   <a:schemeClr val="accent1"/>
                 </a:solidFill>
-                <a:effectLst>
-                  <a:outerShdw blurRad="38100" dist="38100" dir="2700000" algn="tl">
-                    <a:srgbClr val="000000">
-                      <a:alpha val="43137"/>
-                    </a:srgbClr>
-                  </a:outerShdw>
-                </a:effectLst>
-              </a:rPr>
-              <a:t>Student_Score</a:t>
-            </a:r>
-            <a:r>
-              <a:rPr lang="en-US" altLang="ko-KR" sz="5400" dirty="0">
+                <a:latin typeface="+mj-ea"/>
+                <a:ea typeface="+mj-ea"/>
+              </a:rPr>
+              <a:t>&lt; </a:t>
+            </a:r>
+            <a:r>
+              <a:rPr lang="ko-KR" altLang="en-US" sz="2800" dirty="0">
                 <a:solidFill>
                   <a:schemeClr val="accent1"/>
                 </a:solidFill>
-                <a:effectLst>
-                  <a:outerShdw blurRad="38100" dist="38100" dir="2700000" algn="tl">
-                    <a:srgbClr val="000000">
-                      <a:alpha val="43137"/>
-                    </a:srgbClr>
-                  </a:outerShdw>
-                </a:effectLst>
-              </a:rPr>
-              <a:t> </a:t>
-            </a:r>
-            <a:r>
-              <a:rPr lang="ko-KR" altLang="en-US" sz="5400" dirty="0">
+                <a:latin typeface="+mj-ea"/>
+                <a:ea typeface="+mj-ea"/>
+              </a:rPr>
+              <a:t>실행화면 </a:t>
+            </a:r>
+            <a:r>
+              <a:rPr lang="en-US" altLang="ko-KR" sz="2800" dirty="0">
                 <a:solidFill>
                   <a:schemeClr val="accent1"/>
                 </a:solidFill>
-                <a:effectLst>
-                  <a:outerShdw blurRad="38100" dist="38100" dir="2700000" algn="tl">
-                    <a:srgbClr val="000000">
-                      <a:alpha val="43137"/>
-                    </a:srgbClr>
-                  </a:outerShdw>
-                </a:effectLst>
-              </a:rPr>
-              <a:t>만들기</a:t>
-            </a:r>
-            <a:r>
-              <a:rPr lang="en-US" altLang="ko-KR" sz="5400" dirty="0">
-                <a:solidFill>
-                  <a:schemeClr val="accent1"/>
-                </a:solidFill>
-                <a:effectLst>
-                  <a:outerShdw blurRad="38100" dist="38100" dir="2700000" algn="tl">
-                    <a:srgbClr val="000000">
-                      <a:alpha val="43137"/>
-                    </a:srgbClr>
-                  </a:outerShdw>
-                </a:effectLst>
-              </a:rPr>
-              <a:t> </a:t>
-            </a:r>
-            <a:endParaRPr lang="ko-KR" altLang="en-US" sz="5400" dirty="0">
+                <a:latin typeface="+mj-ea"/>
+                <a:ea typeface="+mj-ea"/>
+              </a:rPr>
+              <a:t>&gt;</a:t>
+            </a:r>
+            <a:endParaRPr lang="ko-KR" altLang="en-US" sz="2800" dirty="0">
               <a:solidFill>
                 <a:schemeClr val="accent1"/>
               </a:solidFill>
-              <a:effectLst>
-                <a:outerShdw blurRad="38100" dist="38100" dir="2700000" algn="tl">
-                  <a:srgbClr val="000000">
-                    <a:alpha val="43137"/>
-                  </a:srgbClr>
-                </a:outerShdw>
-              </a:effectLst>
+              <a:latin typeface="+mj-ea"/>
+              <a:ea typeface="+mj-ea"/>
             </a:endParaRPr>
           </a:p>
         </p:txBody>
@@ -3672,7 +4393,7 @@
     </p:spTree>
     <p:extLst>
       <p:ext uri="{BB962C8B-B14F-4D97-AF65-F5344CB8AC3E}">
-        <p14:creationId xmlns:p14="http://schemas.microsoft.com/office/powerpoint/2010/main" val="1727600811"/>
+        <p14:creationId xmlns:p14="http://schemas.microsoft.com/office/powerpoint/2010/main" val="1407723158"/>
       </p:ext>
     </p:extLst>
   </p:cSld>
@@ -3699,15 +4420,122 @@
           <a:chExt cx="0" cy="0"/>
         </a:xfrm>
       </p:grpSpPr>
-      <p:pic>
-        <p:nvPicPr>
-          <p:cNvPr id="20" name="그림 19">
+      <p:sp>
+        <p:nvSpPr>
+          <p:cNvPr id="2" name="제목 1">
             <a:extLst>
               <a:ext uri="{FF2B5EF4-FFF2-40B4-BE49-F238E27FC236}">
-                <a16:creationId xmlns:a16="http://schemas.microsoft.com/office/drawing/2014/main" xmlns="" id="{E6AD7D25-A6E0-1B05-31FB-4094DE23FAA1}"/>
+                <a16:creationId xmlns:a16="http://schemas.microsoft.com/office/drawing/2014/main" id="{635C47BF-19DD-7A68-913E-EF8F14DBA234}"/>
               </a:ext>
             </a:extLst>
           </p:cNvPr>
+          <p:cNvSpPr>
+            <a:spLocks noGrp="1"/>
+          </p:cNvSpPr>
+          <p:nvPr>
+            <p:ph type="title"/>
+          </p:nvPr>
+        </p:nvSpPr>
+        <p:spPr>
+          <a:xfrm>
+            <a:off x="479323" y="454355"/>
+            <a:ext cx="5295835" cy="481781"/>
+          </a:xfrm>
+        </p:spPr>
+        <p:txBody>
+          <a:bodyPr>
+            <a:noAutofit/>
+          </a:bodyPr>
+          <a:lstStyle/>
+          <a:p>
+            <a:pPr marL="571500" indent="-571500">
+              <a:buFont typeface="Arial" panose="020B0604020202020204" pitchFamily="34" charset="0"/>
+              <a:buChar char="•"/>
+            </a:pPr>
+            <a:r>
+              <a:rPr lang="en-US" altLang="ko-KR" sz="3200" dirty="0" err="1">
+                <a:latin typeface="+mj-ea"/>
+              </a:rPr>
+              <a:t>parsing.jsp</a:t>
+            </a:r>
+            <a:endParaRPr lang="ko-KR" altLang="en-US" sz="3200" dirty="0">
+              <a:latin typeface="+mj-ea"/>
+            </a:endParaRPr>
+          </a:p>
+        </p:txBody>
+      </p:sp>
+      <p:sp>
+        <p:nvSpPr>
+          <p:cNvPr id="12" name="TextBox 11">
+            <a:extLst>
+              <a:ext uri="{FF2B5EF4-FFF2-40B4-BE49-F238E27FC236}">
+                <a16:creationId xmlns:a16="http://schemas.microsoft.com/office/drawing/2014/main" id="{F128FE74-0958-FDAB-9337-1C4EE43C54F8}"/>
+              </a:ext>
+            </a:extLst>
+          </p:cNvPr>
+          <p:cNvSpPr txBox="1"/>
+          <p:nvPr/>
+        </p:nvSpPr>
+        <p:spPr>
+          <a:xfrm>
+            <a:off x="7767090" y="1912042"/>
+            <a:ext cx="3463826" cy="523220"/>
+          </a:xfrm>
+          <a:prstGeom prst="rect">
+            <a:avLst/>
+          </a:prstGeom>
+          <a:noFill/>
+        </p:spPr>
+        <p:txBody>
+          <a:bodyPr wrap="square" rtlCol="0">
+            <a:spAutoFit/>
+          </a:bodyPr>
+          <a:lstStyle/>
+          <a:p>
+            <a:pPr algn="ctr"/>
+            <a:r>
+              <a:rPr lang="en-US" altLang="ko-KR" sz="2800" dirty="0">
+                <a:solidFill>
+                  <a:schemeClr val="accent1"/>
+                </a:solidFill>
+                <a:latin typeface="+mj-ea"/>
+                <a:ea typeface="+mj-ea"/>
+              </a:rPr>
+              <a:t>&lt; </a:t>
+            </a:r>
+            <a:r>
+              <a:rPr lang="ko-KR" altLang="en-US" sz="2800" dirty="0">
+                <a:solidFill>
+                  <a:schemeClr val="accent1"/>
+                </a:solidFill>
+                <a:latin typeface="+mj-ea"/>
+                <a:ea typeface="+mj-ea"/>
+              </a:rPr>
+              <a:t>실행화면 </a:t>
+            </a:r>
+            <a:r>
+              <a:rPr lang="en-US" altLang="ko-KR" sz="2800" dirty="0">
+                <a:solidFill>
+                  <a:schemeClr val="accent1"/>
+                </a:solidFill>
+                <a:latin typeface="+mj-ea"/>
+                <a:ea typeface="+mj-ea"/>
+              </a:rPr>
+              <a:t>&gt;</a:t>
+            </a:r>
+            <a:endParaRPr lang="ko-KR" altLang="en-US" sz="2800" dirty="0">
+              <a:solidFill>
+                <a:schemeClr val="accent1"/>
+              </a:solidFill>
+              <a:latin typeface="+mj-ea"/>
+              <a:ea typeface="+mj-ea"/>
+            </a:endParaRPr>
+          </a:p>
+        </p:txBody>
+      </p:sp>
+      <p:pic>
+        <p:nvPicPr>
+          <p:cNvPr id="3" name="그림 2"/>
           <p:cNvPicPr>
             <a:picLocks noChangeAspect="1"/>
           </p:cNvPicPr>
@@ -3721,8 +4549,8 @@
         </p:blipFill>
         <p:spPr>
           <a:xfrm>
-            <a:off x="479323" y="1032385"/>
-            <a:ext cx="8034270" cy="5439975"/>
+            <a:off x="479323" y="1084652"/>
+            <a:ext cx="6772815" cy="5402440"/>
           </a:xfrm>
           <a:prstGeom prst="rect">
             <a:avLst/>
@@ -3731,13 +4559,7 @@
       </p:pic>
       <p:pic>
         <p:nvPicPr>
-          <p:cNvPr id="18" name="그림 17">
-            <a:extLst>
-              <a:ext uri="{FF2B5EF4-FFF2-40B4-BE49-F238E27FC236}">
-                <a16:creationId xmlns:a16="http://schemas.microsoft.com/office/drawing/2014/main" xmlns="" id="{07EE9033-35C8-CBB4-9D1E-31D11BC0F4C6}"/>
-              </a:ext>
-            </a:extLst>
-          </p:cNvPr>
+          <p:cNvPr id="6" name="그림 5"/>
           <p:cNvPicPr>
             <a:picLocks noChangeAspect="1"/>
           </p:cNvPicPr>
@@ -3751,8 +4573,8 @@
         </p:blipFill>
         <p:spPr>
           <a:xfrm>
-            <a:off x="9009055" y="1032386"/>
-            <a:ext cx="2703622" cy="5439975"/>
+            <a:off x="8317203" y="2757116"/>
+            <a:ext cx="3556650" cy="3729976"/>
           </a:xfrm>
           <a:prstGeom prst="rect">
             <a:avLst/>
@@ -3761,60 +4583,10 @@
       </p:pic>
       <p:sp>
         <p:nvSpPr>
-          <p:cNvPr id="2" name="제목 1">
-            <a:extLst>
-              <a:ext uri="{FF2B5EF4-FFF2-40B4-BE49-F238E27FC236}">
-                <a16:creationId xmlns:a16="http://schemas.microsoft.com/office/drawing/2014/main" xmlns="" id="{635C47BF-19DD-7A68-913E-EF8F14DBA234}"/>
-              </a:ext>
-            </a:extLst>
-          </p:cNvPr>
-          <p:cNvSpPr>
-            <a:spLocks noGrp="1"/>
-          </p:cNvSpPr>
-          <p:nvPr>
-            <p:ph type="title"/>
-          </p:nvPr>
-        </p:nvSpPr>
-        <p:spPr>
-          <a:xfrm>
-            <a:off x="479323" y="550605"/>
-            <a:ext cx="5295835" cy="481781"/>
-          </a:xfrm>
-        </p:spPr>
-        <p:txBody>
-          <a:bodyPr>
-            <a:noAutofit/>
-          </a:bodyPr>
-          <a:lstStyle/>
-          <a:p>
-            <a:pPr marL="571500" indent="-571500">
-              <a:buFont typeface="Arial" panose="020B0604020202020204" pitchFamily="34" charset="0"/>
-              <a:buChar char="•"/>
-            </a:pPr>
-            <a:r>
-              <a:rPr lang="en-US" altLang="ko-KR" sz="3200" dirty="0" err="1" smtClean="0">
-                <a:latin typeface="+mj-ea"/>
-              </a:rPr>
-              <a:t>xmlmake</a:t>
-            </a:r>
-            <a:r>
-              <a:rPr lang="en-US" altLang="ko-KR" sz="3200" dirty="0" err="1" smtClean="0">
-                <a:latin typeface="+mj-ea"/>
-              </a:rPr>
-              <a:t>.jsp</a:t>
-            </a:r>
-            <a:endParaRPr lang="ko-KR" altLang="en-US" sz="3200" dirty="0">
-              <a:latin typeface="+mj-ea"/>
-            </a:endParaRPr>
-          </a:p>
-        </p:txBody>
-      </p:sp>
-      <p:sp>
-        <p:nvSpPr>
           <p:cNvPr id="10" name="화살표: 오른쪽 9">
             <a:extLst>
               <a:ext uri="{FF2B5EF4-FFF2-40B4-BE49-F238E27FC236}">
-                <a16:creationId xmlns:a16="http://schemas.microsoft.com/office/drawing/2014/main" xmlns="" id="{7F190A1E-9D7C-38C6-05E4-0EBF34278A5B}"/>
+                <a16:creationId xmlns:a16="http://schemas.microsoft.com/office/drawing/2014/main" id="{7F190A1E-9D7C-38C6-05E4-0EBF34278A5B}"/>
               </a:ext>
             </a:extLst>
           </p:cNvPr>
@@ -3823,7 +4595,7 @@
         </p:nvSpPr>
         <p:spPr>
           <a:xfrm>
-            <a:off x="7947603" y="3592206"/>
+            <a:off x="7252138" y="3785872"/>
             <a:ext cx="1029904" cy="606391"/>
           </a:xfrm>
           <a:prstGeom prst="rightArrow">
@@ -3855,79 +4627,10 @@
           </a:p>
         </p:txBody>
       </p:sp>
-      <p:sp>
-        <p:nvSpPr>
-          <p:cNvPr id="12" name="TextBox 11">
-            <a:extLst>
-              <a:ext uri="{FF2B5EF4-FFF2-40B4-BE49-F238E27FC236}">
-                <a16:creationId xmlns:a16="http://schemas.microsoft.com/office/drawing/2014/main" xmlns="" id="{F128FE74-0958-FDAB-9337-1C4EE43C54F8}"/>
-              </a:ext>
-            </a:extLst>
-          </p:cNvPr>
-          <p:cNvSpPr txBox="1"/>
-          <p:nvPr/>
-        </p:nvSpPr>
-        <p:spPr>
-          <a:xfrm>
-            <a:off x="8410027" y="423025"/>
-            <a:ext cx="3463826" cy="523220"/>
-          </a:xfrm>
-          <a:prstGeom prst="rect">
-            <a:avLst/>
-          </a:prstGeom>
-          <a:noFill/>
-        </p:spPr>
-        <p:txBody>
-          <a:bodyPr wrap="square" rtlCol="0">
-            <a:spAutoFit/>
-          </a:bodyPr>
-          <a:lstStyle/>
-          <a:p>
-            <a:pPr algn="ctr"/>
-            <a:r>
-              <a:rPr lang="en-US" altLang="ko-KR" sz="2800" dirty="0">
-                <a:solidFill>
-                  <a:schemeClr val="accent1"/>
-                </a:solidFill>
-                <a:latin typeface="+mj-ea"/>
-                <a:ea typeface="+mj-ea"/>
-              </a:rPr>
-              <a:t>&lt; </a:t>
-            </a:r>
-            <a:r>
-              <a:rPr lang="ko-KR" altLang="en-US" sz="2800" dirty="0">
-                <a:solidFill>
-                  <a:schemeClr val="accent1"/>
-                </a:solidFill>
-                <a:latin typeface="+mj-ea"/>
-                <a:ea typeface="+mj-ea"/>
-              </a:rPr>
-              <a:t>실행화면 </a:t>
-            </a:r>
-            <a:r>
-              <a:rPr lang="en-US" altLang="ko-KR" sz="2800" dirty="0">
-                <a:solidFill>
-                  <a:schemeClr val="accent1"/>
-                </a:solidFill>
-                <a:latin typeface="+mj-ea"/>
-                <a:ea typeface="+mj-ea"/>
-              </a:rPr>
-              <a:t>&gt;</a:t>
-            </a:r>
-            <a:endParaRPr lang="ko-KR" altLang="en-US" sz="2800" dirty="0">
-              <a:solidFill>
-                <a:schemeClr val="accent1"/>
-              </a:solidFill>
-              <a:latin typeface="+mj-ea"/>
-              <a:ea typeface="+mj-ea"/>
-            </a:endParaRPr>
-          </a:p>
-        </p:txBody>
-      </p:sp>
     </p:spTree>
     <p:extLst>
       <p:ext uri="{BB962C8B-B14F-4D97-AF65-F5344CB8AC3E}">
-        <p14:creationId xmlns:p14="http://schemas.microsoft.com/office/powerpoint/2010/main" val="1407723158"/>
+        <p14:creationId xmlns:p14="http://schemas.microsoft.com/office/powerpoint/2010/main" val="1849178596"/>
       </p:ext>
     </p:extLst>
   </p:cSld>
@@ -3959,7 +4662,7 @@
           <p:cNvPr id="2" name="제목 1">
             <a:extLst>
               <a:ext uri="{FF2B5EF4-FFF2-40B4-BE49-F238E27FC236}">
-                <a16:creationId xmlns:a16="http://schemas.microsoft.com/office/drawing/2014/main" xmlns="" id="{635C47BF-19DD-7A68-913E-EF8F14DBA234}"/>
+                <a16:creationId xmlns:a16="http://schemas.microsoft.com/office/drawing/2014/main" id="{635C47BF-19DD-7A68-913E-EF8F14DBA234}"/>
               </a:ext>
             </a:extLst>
           </p:cNvPr>
@@ -3972,8 +4675,8 @@
         </p:nvSpPr>
         <p:spPr>
           <a:xfrm>
-            <a:off x="479323" y="550605"/>
-            <a:ext cx="5295835" cy="481781"/>
+            <a:off x="479323" y="425480"/>
+            <a:ext cx="6672248" cy="481781"/>
           </a:xfrm>
         </p:spPr>
         <p:txBody>
@@ -3987,95 +4690,35 @@
               <a:buChar char="•"/>
             </a:pPr>
             <a:r>
-              <a:rPr lang="en-US" altLang="ko-KR" sz="3200" dirty="0" err="1" smtClean="0">
-                <a:latin typeface="+mj-ea"/>
-              </a:rPr>
-              <a:t>parsing</a:t>
-            </a:r>
-            <a:r>
-              <a:rPr lang="en-US" altLang="ko-KR" sz="3200" dirty="0" err="1" smtClean="0">
-                <a:latin typeface="+mj-ea"/>
-              </a:rPr>
-              <a:t>.jsp</a:t>
-            </a:r>
-            <a:endParaRPr lang="ko-KR" altLang="en-US" sz="3200" dirty="0">
-              <a:latin typeface="+mj-ea"/>
-            </a:endParaRPr>
-          </a:p>
-        </p:txBody>
-      </p:sp>
-      <p:sp>
-        <p:nvSpPr>
-          <p:cNvPr id="12" name="TextBox 11">
+              <a:rPr lang="en-US" altLang="ko-KR" sz="3200" dirty="0" err="1">
+                <a:latin typeface="+mj-ea"/>
+              </a:rPr>
+              <a:t>weather.jsp</a:t>
+            </a:r>
+            <a:r>
+              <a:rPr lang="en-US" altLang="ko-KR" sz="3200" dirty="0">
+                <a:latin typeface="+mj-ea"/>
+              </a:rPr>
+              <a:t> </a:t>
+            </a:r>
+            <a:r>
+              <a:rPr lang="ko-KR" altLang="en-US" sz="3200" dirty="0">
+                <a:latin typeface="+mj-ea"/>
+              </a:rPr>
+              <a:t>이해하기 실습</a:t>
+            </a:r>
+          </a:p>
+        </p:txBody>
+      </p:sp>
+      <p:pic>
+        <p:nvPicPr>
+          <p:cNvPr id="4" name="그림 3">
             <a:extLst>
               <a:ext uri="{FF2B5EF4-FFF2-40B4-BE49-F238E27FC236}">
-                <a16:creationId xmlns:a16="http://schemas.microsoft.com/office/drawing/2014/main" xmlns="" id="{F128FE74-0958-FDAB-9337-1C4EE43C54F8}"/>
+                <a16:creationId xmlns:a16="http://schemas.microsoft.com/office/drawing/2014/main" id="{AA30D9C3-ACD8-8BF7-1093-8F9223E70A52}"/>
               </a:ext>
             </a:extLst>
           </p:cNvPr>
-          <p:cNvSpPr txBox="1"/>
-          <p:nvPr/>
-        </p:nvSpPr>
-        <p:spPr>
-          <a:xfrm>
-            <a:off x="7767090" y="1912042"/>
-            <a:ext cx="3463826" cy="523220"/>
-          </a:xfrm>
-          <a:prstGeom prst="rect">
-            <a:avLst/>
-          </a:prstGeom>
-          <a:noFill/>
-        </p:spPr>
-        <p:txBody>
-          <a:bodyPr wrap="square" rtlCol="0">
-            <a:spAutoFit/>
-          </a:bodyPr>
-          <a:lstStyle/>
-          <a:p>
-            <a:pPr algn="ctr"/>
-            <a:r>
-              <a:rPr lang="en-US" altLang="ko-KR" sz="2800" dirty="0">
-                <a:solidFill>
-                  <a:schemeClr val="accent1"/>
-                </a:solidFill>
-                <a:latin typeface="+mj-ea"/>
-                <a:ea typeface="+mj-ea"/>
-              </a:rPr>
-              <a:t>&lt; </a:t>
-            </a:r>
-            <a:r>
-              <a:rPr lang="ko-KR" altLang="en-US" sz="2800" dirty="0">
-                <a:solidFill>
-                  <a:schemeClr val="accent1"/>
-                </a:solidFill>
-                <a:latin typeface="+mj-ea"/>
-                <a:ea typeface="+mj-ea"/>
-              </a:rPr>
-              <a:t>실행화면 </a:t>
-            </a:r>
-            <a:r>
-              <a:rPr lang="en-US" altLang="ko-KR" sz="2800" dirty="0">
-                <a:solidFill>
-                  <a:schemeClr val="accent1"/>
-                </a:solidFill>
-                <a:latin typeface="+mj-ea"/>
-                <a:ea typeface="+mj-ea"/>
-              </a:rPr>
-              <a:t>&gt;</a:t>
-            </a:r>
-            <a:endParaRPr lang="ko-KR" altLang="en-US" sz="2800" dirty="0">
-              <a:solidFill>
-                <a:schemeClr val="accent1"/>
-              </a:solidFill>
-              <a:latin typeface="+mj-ea"/>
-              <a:ea typeface="+mj-ea"/>
-            </a:endParaRPr>
-          </a:p>
-        </p:txBody>
-      </p:sp>
-      <p:pic>
-        <p:nvPicPr>
-          <p:cNvPr id="3" name="그림 2"/>
           <p:cNvPicPr>
             <a:picLocks noChangeAspect="1"/>
           </p:cNvPicPr>
@@ -4089,88 +4732,188 @@
         </p:blipFill>
         <p:spPr>
           <a:xfrm>
-            <a:off x="479323" y="1084652"/>
-            <a:ext cx="6772815" cy="5402440"/>
+            <a:off x="479322" y="1032386"/>
+            <a:ext cx="6812023" cy="5548937"/>
           </a:xfrm>
           <a:prstGeom prst="rect">
             <a:avLst/>
           </a:prstGeom>
         </p:spPr>
       </p:pic>
-      <p:pic>
-        <p:nvPicPr>
-          <p:cNvPr id="6" name="그림 5"/>
-          <p:cNvPicPr>
-            <a:picLocks noChangeAspect="1"/>
-          </p:cNvPicPr>
+      <p:sp>
+        <p:nvSpPr>
+          <p:cNvPr id="5" name="TextBox 4">
+            <a:extLst>
+              <a:ext uri="{FF2B5EF4-FFF2-40B4-BE49-F238E27FC236}">
+                <a16:creationId xmlns:a16="http://schemas.microsoft.com/office/drawing/2014/main" id="{E38F5E1A-5F27-3662-6C8A-C10E5AD8666F}"/>
+              </a:ext>
+            </a:extLst>
+          </p:cNvPr>
+          <p:cNvSpPr txBox="1"/>
           <p:nvPr/>
-        </p:nvPicPr>
-        <p:blipFill>
-          <a:blip r:embed="rId3"/>
-          <a:stretch>
-            <a:fillRect/>
-          </a:stretch>
-        </p:blipFill>
-        <p:spPr>
-          <a:xfrm>
-            <a:off x="8317203" y="2757116"/>
-            <a:ext cx="3556650" cy="3729976"/>
+        </p:nvSpPr>
+        <p:spPr>
+          <a:xfrm>
+            <a:off x="7525687" y="1032385"/>
+            <a:ext cx="4186990" cy="4609275"/>
           </a:xfrm>
           <a:prstGeom prst="rect">
             <a:avLst/>
           </a:prstGeom>
-        </p:spPr>
-      </p:pic>
-      <p:sp>
-        <p:nvSpPr>
-          <p:cNvPr id="10" name="화살표: 오른쪽 9">
-            <a:extLst>
-              <a:ext uri="{FF2B5EF4-FFF2-40B4-BE49-F238E27FC236}">
-                <a16:creationId xmlns:a16="http://schemas.microsoft.com/office/drawing/2014/main" xmlns="" id="{7F190A1E-9D7C-38C6-05E4-0EBF34278A5B}"/>
-              </a:ext>
-            </a:extLst>
-          </p:cNvPr>
-          <p:cNvSpPr/>
-          <p:nvPr/>
-        </p:nvSpPr>
-        <p:spPr>
-          <a:xfrm>
-            <a:off x="7252138" y="3785872"/>
-            <a:ext cx="1029904" cy="606391"/>
-          </a:xfrm>
-          <a:prstGeom prst="rightArrow">
-            <a:avLst/>
-          </a:prstGeom>
-        </p:spPr>
-        <p:style>
-          <a:lnRef idx="2">
-            <a:schemeClr val="accent1">
-              <a:shade val="50000"/>
-            </a:schemeClr>
-          </a:lnRef>
-          <a:fillRef idx="1">
-            <a:schemeClr val="accent1"/>
-          </a:fillRef>
-          <a:effectRef idx="0">
-            <a:schemeClr val="accent1"/>
-          </a:effectRef>
-          <a:fontRef idx="minor">
-            <a:schemeClr val="lt1"/>
-          </a:fontRef>
-        </p:style>
-        <p:txBody>
-          <a:bodyPr rtlCol="0" anchor="ctr"/>
+          <a:noFill/>
+        </p:spPr>
+        <p:txBody>
+          <a:bodyPr wrap="square" rtlCol="0">
+            <a:spAutoFit/>
+          </a:bodyPr>
           <a:lstStyle/>
           <a:p>
-            <a:pPr algn="ctr"/>
-            <a:endParaRPr lang="ko-KR" altLang="en-US"/>
+            <a:pPr marL="285750" indent="-285750">
+              <a:lnSpc>
+                <a:spcPct val="150000"/>
+              </a:lnSpc>
+              <a:buFont typeface="Arial" panose="020B0604020202020204" pitchFamily="34" charset="0"/>
+              <a:buChar char="•"/>
+            </a:pPr>
+            <a:r>
+              <a:rPr lang="ko-KR" altLang="en-US" dirty="0">
+                <a:latin typeface="+mj-ea"/>
+                <a:ea typeface="+mj-ea"/>
+              </a:rPr>
+              <a:t>데이터 실시간 호출응답으로 받은 </a:t>
+            </a:r>
+            <a:r>
+              <a:rPr lang="en-US" altLang="ko-KR" dirty="0">
+                <a:latin typeface="+mj-ea"/>
+                <a:ea typeface="+mj-ea"/>
+              </a:rPr>
+              <a:t>xml</a:t>
+            </a:r>
+            <a:r>
+              <a:rPr lang="ko-KR" altLang="en-US" dirty="0">
+                <a:latin typeface="+mj-ea"/>
+                <a:ea typeface="+mj-ea"/>
+              </a:rPr>
+              <a:t>형식의 데이터를 테이블의 형태로 다시 재구성하여 출력하여 본다</a:t>
+            </a:r>
+            <a:r>
+              <a:rPr lang="en-US" altLang="ko-KR" dirty="0">
+                <a:latin typeface="+mj-ea"/>
+                <a:ea typeface="+mj-ea"/>
+              </a:rPr>
+              <a:t>.</a:t>
+            </a:r>
+          </a:p>
+          <a:p>
+            <a:pPr marL="285750" indent="-285750">
+              <a:lnSpc>
+                <a:spcPct val="150000"/>
+              </a:lnSpc>
+              <a:buFont typeface="Arial" panose="020B0604020202020204" pitchFamily="34" charset="0"/>
+              <a:buChar char="•"/>
+            </a:pPr>
+            <a:endParaRPr lang="en-US" altLang="ko-KR" dirty="0">
+              <a:latin typeface="+mj-ea"/>
+              <a:ea typeface="+mj-ea"/>
+            </a:endParaRPr>
+          </a:p>
+          <a:p>
+            <a:pPr marL="285750" indent="-285750">
+              <a:lnSpc>
+                <a:spcPct val="150000"/>
+              </a:lnSpc>
+              <a:buFont typeface="Arial" panose="020B0604020202020204" pitchFamily="34" charset="0"/>
+              <a:buChar char="•"/>
+            </a:pPr>
+            <a:r>
+              <a:rPr lang="ko-KR" altLang="en-US" dirty="0">
+                <a:latin typeface="+mj-ea"/>
+                <a:ea typeface="+mj-ea"/>
+              </a:rPr>
+              <a:t>기상청의 격자좌표에 따른 해당 지역의 실시간 날씨 정보를 가져왔다</a:t>
+            </a:r>
+            <a:r>
+              <a:rPr lang="en-US" altLang="ko-KR" dirty="0">
+                <a:latin typeface="+mj-ea"/>
+                <a:ea typeface="+mj-ea"/>
+              </a:rPr>
+              <a:t>.</a:t>
+            </a:r>
+          </a:p>
+          <a:p>
+            <a:pPr marL="285750" indent="-285750">
+              <a:lnSpc>
+                <a:spcPct val="150000"/>
+              </a:lnSpc>
+              <a:buFont typeface="Arial" panose="020B0604020202020204" pitchFamily="34" charset="0"/>
+              <a:buChar char="•"/>
+            </a:pPr>
+            <a:endParaRPr lang="en-US" altLang="ko-KR" dirty="0">
+              <a:latin typeface="+mj-ea"/>
+              <a:ea typeface="+mj-ea"/>
+            </a:endParaRPr>
+          </a:p>
+          <a:p>
+            <a:pPr marL="285750" indent="-285750">
+              <a:lnSpc>
+                <a:spcPct val="150000"/>
+              </a:lnSpc>
+              <a:buFont typeface="Arial" panose="020B0604020202020204" pitchFamily="34" charset="0"/>
+              <a:buChar char="•"/>
+            </a:pPr>
+            <a:r>
+              <a:rPr lang="en-US" altLang="ko-KR" dirty="0" err="1">
+                <a:latin typeface="+mj-ea"/>
+                <a:ea typeface="+mj-ea"/>
+              </a:rPr>
+              <a:t>gridx</a:t>
+            </a:r>
+            <a:r>
+              <a:rPr lang="en-US" altLang="ko-KR" dirty="0">
+                <a:latin typeface="+mj-ea"/>
+                <a:ea typeface="+mj-ea"/>
+              </a:rPr>
+              <a:t>=618 &amp; </a:t>
+            </a:r>
+            <a:r>
+              <a:rPr lang="en-US" altLang="ko-KR" dirty="0" err="1">
+                <a:latin typeface="+mj-ea"/>
+                <a:ea typeface="+mj-ea"/>
+              </a:rPr>
+              <a:t>gridy</a:t>
+            </a:r>
+            <a:r>
+              <a:rPr lang="en-US" altLang="ko-KR" dirty="0">
+                <a:latin typeface="+mj-ea"/>
+                <a:ea typeface="+mj-ea"/>
+              </a:rPr>
+              <a:t>=123</a:t>
+            </a:r>
+            <a:r>
+              <a:rPr lang="ko-KR" altLang="en-US" dirty="0">
+                <a:latin typeface="+mj-ea"/>
+                <a:ea typeface="+mj-ea"/>
+              </a:rPr>
+              <a:t>은 분당구의 정보이다</a:t>
+            </a:r>
+            <a:r>
+              <a:rPr lang="en-US" altLang="ko-KR" dirty="0">
+                <a:latin typeface="+mj-ea"/>
+                <a:ea typeface="+mj-ea"/>
+              </a:rPr>
+              <a:t>.</a:t>
+            </a:r>
+            <a:endParaRPr lang="ko-KR" altLang="en-US" dirty="0">
+              <a:latin typeface="+mj-ea"/>
+              <a:ea typeface="+mj-ea"/>
+            </a:endParaRPr>
           </a:p>
         </p:txBody>
       </p:sp>
     </p:spTree>
     <p:extLst>
       <p:ext uri="{BB962C8B-B14F-4D97-AF65-F5344CB8AC3E}">
-        <p14:creationId xmlns:p14="http://schemas.microsoft.com/office/powerpoint/2010/main" val="1849178596"/>
+        <p14:creationId xmlns:p14="http://schemas.microsoft.com/office/powerpoint/2010/main" val="626426455"/>
       </p:ext>
     </p:extLst>
   </p:cSld>
@@ -4197,102 +4940,42 @@
           <a:chExt cx="0" cy="0"/>
         </a:xfrm>
       </p:grpSpPr>
-      <p:sp>
-        <p:nvSpPr>
-          <p:cNvPr id="2" name="제목 1">
+      <p:pic>
+        <p:nvPicPr>
+          <p:cNvPr id="3" name="그림 2">
             <a:extLst>
               <a:ext uri="{FF2B5EF4-FFF2-40B4-BE49-F238E27FC236}">
-                <a16:creationId xmlns:a16="http://schemas.microsoft.com/office/drawing/2014/main" xmlns="" id="{635C47BF-19DD-7A68-913E-EF8F14DBA234}"/>
+                <a16:creationId xmlns:a16="http://schemas.microsoft.com/office/drawing/2014/main" id="{42E976C2-CC14-F1E9-2A13-C6B9E4A34203}"/>
               </a:ext>
             </a:extLst>
           </p:cNvPr>
-          <p:cNvSpPr>
-            <a:spLocks noGrp="1"/>
-          </p:cNvSpPr>
-          <p:nvPr>
-            <p:ph type="title"/>
-          </p:nvPr>
-        </p:nvSpPr>
-        <p:spPr>
-          <a:xfrm>
-            <a:off x="479323" y="550605"/>
-            <a:ext cx="5295835" cy="481781"/>
-          </a:xfrm>
-        </p:spPr>
-        <p:txBody>
-          <a:bodyPr>
-            <a:noAutofit/>
-          </a:bodyPr>
-          <a:lstStyle/>
-          <a:p>
-            <a:pPr marL="571500" indent="-571500">
-              <a:buFont typeface="Arial" panose="020B0604020202020204" pitchFamily="34" charset="0"/>
-              <a:buChar char="•"/>
-            </a:pPr>
-            <a:r>
-              <a:rPr lang="en-US" altLang="ko-KR" sz="3200" dirty="0">
-                <a:latin typeface="+mj-ea"/>
-              </a:rPr>
-              <a:t>01.jsp</a:t>
-            </a:r>
-            <a:endParaRPr lang="ko-KR" altLang="en-US" sz="3200" dirty="0">
-              <a:latin typeface="+mj-ea"/>
-            </a:endParaRPr>
-          </a:p>
-        </p:txBody>
-      </p:sp>
-      <p:sp>
-        <p:nvSpPr>
-          <p:cNvPr id="10" name="화살표: 오른쪽 9">
+          <p:cNvPicPr>
+            <a:picLocks noChangeAspect="1"/>
+          </p:cNvPicPr>
+          <p:nvPr/>
+        </p:nvPicPr>
+        <p:blipFill>
+          <a:blip r:embed="rId2"/>
+          <a:stretch>
+            <a:fillRect/>
+          </a:stretch>
+        </p:blipFill>
+        <p:spPr>
+          <a:xfrm>
+            <a:off x="342465" y="659700"/>
+            <a:ext cx="8464651" cy="5538599"/>
+          </a:xfrm>
+          <a:prstGeom prst="rect">
+            <a:avLst/>
+          </a:prstGeom>
+        </p:spPr>
+      </p:pic>
+      <p:sp>
+        <p:nvSpPr>
+          <p:cNvPr id="4" name="TextBox 3">
             <a:extLst>
               <a:ext uri="{FF2B5EF4-FFF2-40B4-BE49-F238E27FC236}">
-                <a16:creationId xmlns:a16="http://schemas.microsoft.com/office/drawing/2014/main" xmlns="" id="{7F190A1E-9D7C-38C6-05E4-0EBF34278A5B}"/>
-              </a:ext>
-            </a:extLst>
-          </p:cNvPr>
-          <p:cNvSpPr/>
-          <p:nvPr/>
-        </p:nvSpPr>
-        <p:spPr>
-          <a:xfrm>
-            <a:off x="7947603" y="3592206"/>
-            <a:ext cx="1029904" cy="606391"/>
-          </a:xfrm>
-          <a:prstGeom prst="rightArrow">
-            <a:avLst/>
-          </a:prstGeom>
-        </p:spPr>
-        <p:style>
-          <a:lnRef idx="2">
-            <a:schemeClr val="accent1">
-              <a:shade val="50000"/>
-            </a:schemeClr>
-          </a:lnRef>
-          <a:fillRef idx="1">
-            <a:schemeClr val="accent1"/>
-          </a:fillRef>
-          <a:effectRef idx="0">
-            <a:schemeClr val="accent1"/>
-          </a:effectRef>
-          <a:fontRef idx="minor">
-            <a:schemeClr val="lt1"/>
-          </a:fontRef>
-        </p:style>
-        <p:txBody>
-          <a:bodyPr rtlCol="0" anchor="ctr"/>
-          <a:lstStyle/>
-          <a:p>
-            <a:pPr algn="ctr"/>
-            <a:endParaRPr lang="ko-KR" altLang="en-US"/>
-          </a:p>
-        </p:txBody>
-      </p:sp>
-      <p:sp>
-        <p:nvSpPr>
-          <p:cNvPr id="12" name="TextBox 11">
-            <a:extLst>
-              <a:ext uri="{FF2B5EF4-FFF2-40B4-BE49-F238E27FC236}">
-                <a16:creationId xmlns:a16="http://schemas.microsoft.com/office/drawing/2014/main" xmlns="" id="{F128FE74-0958-FDAB-9337-1C4EE43C54F8}"/>
+                <a16:creationId xmlns:a16="http://schemas.microsoft.com/office/drawing/2014/main" id="{CBB237E8-4EA1-14E6-FBEB-B06A375DE296}"/>
               </a:ext>
             </a:extLst>
           </p:cNvPr>
@@ -4301,8 +4984,8 @@
         </p:nvSpPr>
         <p:spPr>
           <a:xfrm>
-            <a:off x="8410027" y="423025"/>
-            <a:ext cx="3463826" cy="523220"/>
+            <a:off x="8943974" y="659700"/>
+            <a:ext cx="2905561" cy="1285288"/>
           </a:xfrm>
           <a:prstGeom prst="rect">
             <a:avLst/>
@@ -4315,41 +4998,28 @@
           </a:bodyPr>
           <a:lstStyle/>
           <a:p>
-            <a:pPr algn="ctr"/>
-            <a:r>
-              <a:rPr lang="en-US" altLang="ko-KR" sz="2800" dirty="0">
-                <a:solidFill>
-                  <a:schemeClr val="accent1"/>
-                </a:solidFill>
-                <a:latin typeface="+mj-ea"/>
-                <a:ea typeface="+mj-ea"/>
-              </a:rPr>
-              <a:t>&lt; </a:t>
-            </a:r>
-            <a:r>
-              <a:rPr lang="ko-KR" altLang="en-US" sz="2800" dirty="0">
-                <a:solidFill>
-                  <a:schemeClr val="accent1"/>
-                </a:solidFill>
-                <a:latin typeface="+mj-ea"/>
-                <a:ea typeface="+mj-ea"/>
-              </a:rPr>
-              <a:t>실행화면 </a:t>
-            </a:r>
-            <a:r>
-              <a:rPr lang="en-US" altLang="ko-KR" sz="2800" dirty="0">
-                <a:solidFill>
-                  <a:schemeClr val="accent1"/>
-                </a:solidFill>
-                <a:latin typeface="+mj-ea"/>
-                <a:ea typeface="+mj-ea"/>
-              </a:rPr>
-              <a:t>&gt;</a:t>
-            </a:r>
-            <a:endParaRPr lang="ko-KR" altLang="en-US" sz="2800" dirty="0">
-              <a:solidFill>
-                <a:schemeClr val="accent1"/>
-              </a:solidFill>
+            <a:pPr marL="285750" indent="-285750">
+              <a:lnSpc>
+                <a:spcPct val="150000"/>
+              </a:lnSpc>
+              <a:buFont typeface="Arial" panose="020B0604020202020204" pitchFamily="34" charset="0"/>
+              <a:buChar char="•"/>
+            </a:pPr>
+            <a:r>
+              <a:rPr lang="ko-KR" altLang="en-US" dirty="0">
+                <a:latin typeface="+mj-ea"/>
+                <a:ea typeface="+mj-ea"/>
+              </a:rPr>
+              <a:t>호출응답으로 받은 데이터를 각각의 변수에 값 저장</a:t>
+            </a:r>
+            <a:r>
+              <a:rPr lang="en-US" altLang="ko-KR" dirty="0">
+                <a:latin typeface="+mj-ea"/>
+                <a:ea typeface="+mj-ea"/>
+              </a:rPr>
+              <a:t>.</a:t>
+            </a:r>
+            <a:endParaRPr lang="ko-KR" altLang="en-US" dirty="0">
               <a:latin typeface="+mj-ea"/>
               <a:ea typeface="+mj-ea"/>
             </a:endParaRPr>
@@ -4359,7 +5029,7 @@
     </p:spTree>
     <p:extLst>
       <p:ext uri="{BB962C8B-B14F-4D97-AF65-F5344CB8AC3E}">
-        <p14:creationId xmlns:p14="http://schemas.microsoft.com/office/powerpoint/2010/main" val="626426455"/>
+        <p14:creationId xmlns:p14="http://schemas.microsoft.com/office/powerpoint/2010/main" val="200221532"/>
       </p:ext>
     </p:extLst>
   </p:cSld>
@@ -4386,102 +5056,42 @@
           <a:chExt cx="0" cy="0"/>
         </a:xfrm>
       </p:grpSpPr>
-      <p:sp>
-        <p:nvSpPr>
-          <p:cNvPr id="2" name="제목 1">
+      <p:pic>
+        <p:nvPicPr>
+          <p:cNvPr id="3" name="그림 2">
             <a:extLst>
               <a:ext uri="{FF2B5EF4-FFF2-40B4-BE49-F238E27FC236}">
-                <a16:creationId xmlns:a16="http://schemas.microsoft.com/office/drawing/2014/main" xmlns="" id="{635C47BF-19DD-7A68-913E-EF8F14DBA234}"/>
+                <a16:creationId xmlns:a16="http://schemas.microsoft.com/office/drawing/2014/main" id="{557C96EB-EB3A-745E-6AE9-EE37DC20DC61}"/>
               </a:ext>
             </a:extLst>
           </p:cNvPr>
-          <p:cNvSpPr>
-            <a:spLocks noGrp="1"/>
-          </p:cNvSpPr>
-          <p:nvPr>
-            <p:ph type="title"/>
-          </p:nvPr>
-        </p:nvSpPr>
-        <p:spPr>
-          <a:xfrm>
-            <a:off x="479323" y="550605"/>
-            <a:ext cx="5295835" cy="481781"/>
-          </a:xfrm>
-        </p:spPr>
-        <p:txBody>
-          <a:bodyPr>
-            <a:noAutofit/>
-          </a:bodyPr>
-          <a:lstStyle/>
-          <a:p>
-            <a:pPr marL="571500" indent="-571500">
-              <a:buFont typeface="Arial" panose="020B0604020202020204" pitchFamily="34" charset="0"/>
-              <a:buChar char="•"/>
-            </a:pPr>
-            <a:r>
-              <a:rPr lang="en-US" altLang="ko-KR" sz="3200" dirty="0">
-                <a:latin typeface="+mj-ea"/>
-              </a:rPr>
-              <a:t>01.jsp</a:t>
-            </a:r>
-            <a:endParaRPr lang="ko-KR" altLang="en-US" sz="3200" dirty="0">
-              <a:latin typeface="+mj-ea"/>
-            </a:endParaRPr>
-          </a:p>
-        </p:txBody>
-      </p:sp>
-      <p:sp>
-        <p:nvSpPr>
-          <p:cNvPr id="10" name="화살표: 오른쪽 9">
+          <p:cNvPicPr>
+            <a:picLocks noChangeAspect="1"/>
+          </p:cNvPicPr>
+          <p:nvPr/>
+        </p:nvPicPr>
+        <p:blipFill>
+          <a:blip r:embed="rId2"/>
+          <a:stretch>
+            <a:fillRect/>
+          </a:stretch>
+        </p:blipFill>
+        <p:spPr>
+          <a:xfrm>
+            <a:off x="349290" y="413055"/>
+            <a:ext cx="10613885" cy="5153917"/>
+          </a:xfrm>
+          <a:prstGeom prst="rect">
+            <a:avLst/>
+          </a:prstGeom>
+        </p:spPr>
+      </p:pic>
+      <p:sp>
+        <p:nvSpPr>
+          <p:cNvPr id="4" name="TextBox 3">
             <a:extLst>
               <a:ext uri="{FF2B5EF4-FFF2-40B4-BE49-F238E27FC236}">
-                <a16:creationId xmlns:a16="http://schemas.microsoft.com/office/drawing/2014/main" xmlns="" id="{7F190A1E-9D7C-38C6-05E4-0EBF34278A5B}"/>
-              </a:ext>
-            </a:extLst>
-          </p:cNvPr>
-          <p:cNvSpPr/>
-          <p:nvPr/>
-        </p:nvSpPr>
-        <p:spPr>
-          <a:xfrm>
-            <a:off x="7947603" y="3592206"/>
-            <a:ext cx="1029904" cy="606391"/>
-          </a:xfrm>
-          <a:prstGeom prst="rightArrow">
-            <a:avLst/>
-          </a:prstGeom>
-        </p:spPr>
-        <p:style>
-          <a:lnRef idx="2">
-            <a:schemeClr val="accent1">
-              <a:shade val="50000"/>
-            </a:schemeClr>
-          </a:lnRef>
-          <a:fillRef idx="1">
-            <a:schemeClr val="accent1"/>
-          </a:fillRef>
-          <a:effectRef idx="0">
-            <a:schemeClr val="accent1"/>
-          </a:effectRef>
-          <a:fontRef idx="minor">
-            <a:schemeClr val="lt1"/>
-          </a:fontRef>
-        </p:style>
-        <p:txBody>
-          <a:bodyPr rtlCol="0" anchor="ctr"/>
-          <a:lstStyle/>
-          <a:p>
-            <a:pPr algn="ctr"/>
-            <a:endParaRPr lang="ko-KR" altLang="en-US"/>
-          </a:p>
-        </p:txBody>
-      </p:sp>
-      <p:sp>
-        <p:nvSpPr>
-          <p:cNvPr id="12" name="TextBox 11">
-            <a:extLst>
-              <a:ext uri="{FF2B5EF4-FFF2-40B4-BE49-F238E27FC236}">
-                <a16:creationId xmlns:a16="http://schemas.microsoft.com/office/drawing/2014/main" xmlns="" id="{F128FE74-0958-FDAB-9337-1C4EE43C54F8}"/>
+                <a16:creationId xmlns:a16="http://schemas.microsoft.com/office/drawing/2014/main" id="{6B236D3B-1ECD-DD99-9EC2-96B3C4E5A0FD}"/>
               </a:ext>
             </a:extLst>
           </p:cNvPr>
@@ -4490,8 +5100,8 @@
         </p:nvSpPr>
         <p:spPr>
           <a:xfrm>
-            <a:off x="8410027" y="423025"/>
-            <a:ext cx="3463826" cy="523220"/>
+            <a:off x="349290" y="5799589"/>
+            <a:ext cx="9872738" cy="454292"/>
           </a:xfrm>
           <a:prstGeom prst="rect">
             <a:avLst/>
@@ -4504,41 +5114,28 @@
           </a:bodyPr>
           <a:lstStyle/>
           <a:p>
-            <a:pPr algn="ctr"/>
-            <a:r>
-              <a:rPr lang="en-US" altLang="ko-KR" sz="2800" dirty="0">
-                <a:solidFill>
-                  <a:schemeClr val="accent1"/>
-                </a:solidFill>
-                <a:latin typeface="+mj-ea"/>
-                <a:ea typeface="+mj-ea"/>
-              </a:rPr>
-              <a:t>&lt; </a:t>
-            </a:r>
-            <a:r>
-              <a:rPr lang="ko-KR" altLang="en-US" sz="2800" dirty="0">
-                <a:solidFill>
-                  <a:schemeClr val="accent1"/>
-                </a:solidFill>
-                <a:latin typeface="+mj-ea"/>
-                <a:ea typeface="+mj-ea"/>
-              </a:rPr>
-              <a:t>실행화면 </a:t>
-            </a:r>
-            <a:r>
-              <a:rPr lang="en-US" altLang="ko-KR" sz="2800" dirty="0">
-                <a:solidFill>
-                  <a:schemeClr val="accent1"/>
-                </a:solidFill>
-                <a:latin typeface="+mj-ea"/>
-                <a:ea typeface="+mj-ea"/>
-              </a:rPr>
-              <a:t>&gt;</a:t>
-            </a:r>
-            <a:endParaRPr lang="ko-KR" altLang="en-US" sz="2800" dirty="0">
-              <a:solidFill>
-                <a:schemeClr val="accent1"/>
-              </a:solidFill>
+            <a:pPr marL="285750" indent="-285750">
+              <a:lnSpc>
+                <a:spcPct val="150000"/>
+              </a:lnSpc>
+              <a:buFont typeface="Arial" panose="020B0604020202020204" pitchFamily="34" charset="0"/>
+              <a:buChar char="•"/>
+            </a:pPr>
+            <a:r>
+              <a:rPr lang="ko-KR" altLang="en-US" dirty="0">
+                <a:latin typeface="+mj-ea"/>
+                <a:ea typeface="+mj-ea"/>
+              </a:rPr>
+              <a:t>변수에 저장한 값들을 테이블의 형태로 다시 재구성하여 출력</a:t>
+            </a:r>
+            <a:r>
+              <a:rPr lang="en-US" altLang="ko-KR" dirty="0">
+                <a:latin typeface="+mj-ea"/>
+                <a:ea typeface="+mj-ea"/>
+              </a:rPr>
+              <a:t>.</a:t>
+            </a:r>
+            <a:endParaRPr lang="ko-KR" altLang="en-US" dirty="0">
               <a:latin typeface="+mj-ea"/>
               <a:ea typeface="+mj-ea"/>
             </a:endParaRPr>
@@ -4548,7 +5145,7 @@
     </p:spTree>
     <p:extLst>
       <p:ext uri="{BB962C8B-B14F-4D97-AF65-F5344CB8AC3E}">
-        <p14:creationId xmlns:p14="http://schemas.microsoft.com/office/powerpoint/2010/main" val="3649481337"/>
+        <p14:creationId xmlns:p14="http://schemas.microsoft.com/office/powerpoint/2010/main" val="3321534856"/>
       </p:ext>
     </p:extLst>
   </p:cSld>
@@ -4575,169 +5172,112 @@
           <a:chExt cx="0" cy="0"/>
         </a:xfrm>
       </p:grpSpPr>
-      <p:sp>
-        <p:nvSpPr>
-          <p:cNvPr id="2" name="제목 1">
+      <p:pic>
+        <p:nvPicPr>
+          <p:cNvPr id="3" name="그림 2">
             <a:extLst>
               <a:ext uri="{FF2B5EF4-FFF2-40B4-BE49-F238E27FC236}">
-                <a16:creationId xmlns:a16="http://schemas.microsoft.com/office/drawing/2014/main" xmlns="" id="{635C47BF-19DD-7A68-913E-EF8F14DBA234}"/>
+                <a16:creationId xmlns:a16="http://schemas.microsoft.com/office/drawing/2014/main" id="{54D83649-2903-713D-29F8-A60C28E14F12}"/>
               </a:ext>
             </a:extLst>
           </p:cNvPr>
-          <p:cNvSpPr>
-            <a:spLocks noGrp="1"/>
-          </p:cNvSpPr>
-          <p:nvPr>
-            <p:ph type="title"/>
-          </p:nvPr>
-        </p:nvSpPr>
-        <p:spPr>
-          <a:xfrm>
-            <a:off x="479323" y="550605"/>
-            <a:ext cx="5295835" cy="481781"/>
-          </a:xfrm>
+          <p:cNvPicPr>
+            <a:picLocks noChangeAspect="1"/>
+          </p:cNvPicPr>
+          <p:nvPr/>
+        </p:nvPicPr>
+        <p:blipFill>
+          <a:blip r:embed="rId2"/>
+          <a:stretch>
+            <a:fillRect/>
+          </a:stretch>
+        </p:blipFill>
+        <p:spPr>
+          <a:xfrm>
+            <a:off x="460071" y="1012359"/>
+            <a:ext cx="7442269" cy="5432265"/>
+          </a:xfrm>
+          <a:prstGeom prst="rect">
+            <a:avLst/>
+          </a:prstGeom>
+        </p:spPr>
+      </p:pic>
+      <p:sp>
+        <p:nvSpPr>
+          <p:cNvPr id="5" name="제목 1">
+            <a:extLst>
+              <a:ext uri="{FF2B5EF4-FFF2-40B4-BE49-F238E27FC236}">
+                <a16:creationId xmlns:a16="http://schemas.microsoft.com/office/drawing/2014/main" id="{034BC7A7-0BF5-7494-78F5-23481A2CB70B}"/>
+              </a:ext>
+            </a:extLst>
+          </p:cNvPr>
+          <p:cNvSpPr txBox="1">
+            <a:spLocks/>
+          </p:cNvSpPr>
+          <p:nvPr/>
+        </p:nvSpPr>
+        <p:spPr>
+          <a:xfrm>
+            <a:off x="460072" y="425480"/>
+            <a:ext cx="6672248" cy="481781"/>
+          </a:xfrm>
+          <a:prstGeom prst="rect">
+            <a:avLst/>
+          </a:prstGeom>
         </p:spPr>
         <p:txBody>
           <a:bodyPr>
             <a:noAutofit/>
           </a:bodyPr>
-          <a:lstStyle/>
+          <a:lstStyle>
+            <a:lvl1pPr algn="l" defTabSz="914400" rtl="0" eaLnBrk="1" latinLnBrk="1" hangingPunct="1">
+              <a:lnSpc>
+                <a:spcPct val="90000"/>
+              </a:lnSpc>
+              <a:spcBef>
+                <a:spcPct val="0"/>
+              </a:spcBef>
+              <a:buNone/>
+              <a:defRPr sz="4400" kern="1200">
+                <a:solidFill>
+                  <a:schemeClr val="accent1"/>
+                </a:solidFill>
+                <a:latin typeface="+mj-lt"/>
+                <a:ea typeface="+mj-ea"/>
+                <a:cs typeface="+mj-cs"/>
+              </a:defRPr>
+            </a:lvl1pPr>
+          </a:lstStyle>
           <a:p>
             <a:pPr marL="571500" indent="-571500">
               <a:buFont typeface="Arial" panose="020B0604020202020204" pitchFamily="34" charset="0"/>
               <a:buChar char="•"/>
             </a:pPr>
             <a:r>
+              <a:rPr lang="en-US" altLang="ko-KR" sz="3200" dirty="0" err="1">
+                <a:latin typeface="+mj-ea"/>
+              </a:rPr>
+              <a:t>weather.jsp</a:t>
+            </a:r>
+            <a:r>
               <a:rPr lang="en-US" altLang="ko-KR" sz="3200" dirty="0">
                 <a:latin typeface="+mj-ea"/>
               </a:rPr>
-              <a:t>01.jsp</a:t>
-            </a:r>
-            <a:endParaRPr lang="ko-KR" altLang="en-US" sz="3200" dirty="0">
-              <a:latin typeface="+mj-ea"/>
-            </a:endParaRPr>
-          </a:p>
-        </p:txBody>
-      </p:sp>
-      <p:sp>
-        <p:nvSpPr>
-          <p:cNvPr id="10" name="화살표: 오른쪽 9">
-            <a:extLst>
-              <a:ext uri="{FF2B5EF4-FFF2-40B4-BE49-F238E27FC236}">
-                <a16:creationId xmlns:a16="http://schemas.microsoft.com/office/drawing/2014/main" xmlns="" id="{7F190A1E-9D7C-38C6-05E4-0EBF34278A5B}"/>
-              </a:ext>
-            </a:extLst>
-          </p:cNvPr>
-          <p:cNvSpPr/>
-          <p:nvPr/>
-        </p:nvSpPr>
-        <p:spPr>
-          <a:xfrm>
-            <a:off x="7947603" y="3592206"/>
-            <a:ext cx="1029904" cy="606391"/>
-          </a:xfrm>
-          <a:prstGeom prst="rightArrow">
-            <a:avLst/>
-          </a:prstGeom>
-        </p:spPr>
-        <p:style>
-          <a:lnRef idx="2">
-            <a:schemeClr val="accent1">
-              <a:shade val="50000"/>
-            </a:schemeClr>
-          </a:lnRef>
-          <a:fillRef idx="1">
-            <a:schemeClr val="accent1"/>
-          </a:fillRef>
-          <a:effectRef idx="0">
-            <a:schemeClr val="accent1"/>
-          </a:effectRef>
-          <a:fontRef idx="minor">
-            <a:schemeClr val="lt1"/>
-          </a:fontRef>
-        </p:style>
-        <p:txBody>
-          <a:bodyPr rtlCol="0" anchor="ctr"/>
-          <a:lstStyle/>
-          <a:p>
-            <a:pPr algn="ctr"/>
-            <a:endParaRPr lang="ko-KR" altLang="en-US"/>
-          </a:p>
-        </p:txBody>
-      </p:sp>
-      <p:sp>
-        <p:nvSpPr>
-          <p:cNvPr id="12" name="TextBox 11">
-            <a:extLst>
-              <a:ext uri="{FF2B5EF4-FFF2-40B4-BE49-F238E27FC236}">
-                <a16:creationId xmlns:a16="http://schemas.microsoft.com/office/drawing/2014/main" xmlns="" id="{F128FE74-0958-FDAB-9337-1C4EE43C54F8}"/>
-              </a:ext>
-            </a:extLst>
-          </p:cNvPr>
-          <p:cNvSpPr txBox="1"/>
-          <p:nvPr/>
-        </p:nvSpPr>
-        <p:spPr>
-          <a:xfrm>
-            <a:off x="8410027" y="423025"/>
-            <a:ext cx="3463826" cy="523220"/>
-          </a:xfrm>
-          <a:prstGeom prst="rect">
-            <a:avLst/>
-          </a:prstGeom>
-          <a:noFill/>
-        </p:spPr>
-        <p:txBody>
-          <a:bodyPr wrap="square" rtlCol="0">
-            <a:spAutoFit/>
-          </a:bodyPr>
-          <a:lstStyle/>
-          <a:p>
-            <a:pPr algn="ctr"/>
-            <a:r>
-              <a:rPr lang="en-US" altLang="ko-KR" sz="2800" dirty="0">
-                <a:solidFill>
-                  <a:schemeClr val="accent1"/>
-                </a:solidFill>
-                <a:latin typeface="+mj-ea"/>
-                <a:ea typeface="+mj-ea"/>
-              </a:rPr>
-              <a:t>&lt; </a:t>
-            </a:r>
-            <a:r>
-              <a:rPr lang="ko-KR" altLang="en-US" sz="2800" dirty="0">
-                <a:solidFill>
-                  <a:schemeClr val="accent1"/>
-                </a:solidFill>
-                <a:latin typeface="+mj-ea"/>
-                <a:ea typeface="+mj-ea"/>
-              </a:rPr>
-              <a:t>실행화면 </a:t>
-            </a:r>
-            <a:r>
-              <a:rPr lang="en-US" altLang="ko-KR" sz="2800" dirty="0">
-                <a:solidFill>
-                  <a:schemeClr val="accent1"/>
-                </a:solidFill>
-                <a:latin typeface="+mj-ea"/>
-                <a:ea typeface="+mj-ea"/>
-              </a:rPr>
-              <a:t>&gt;</a:t>
-            </a:r>
-            <a:endParaRPr lang="ko-KR" altLang="en-US" sz="2800" dirty="0">
-              <a:solidFill>
-                <a:schemeClr val="accent1"/>
-              </a:solidFill>
-              <a:latin typeface="+mj-ea"/>
-              <a:ea typeface="+mj-ea"/>
-            </a:endParaRPr>
+              <a:t> </a:t>
+            </a:r>
+            <a:r>
+              <a:rPr lang="ko-KR" altLang="en-US" sz="3200" dirty="0">
+                <a:latin typeface="+mj-ea"/>
+              </a:rPr>
+              <a:t>실행 화면</a:t>
+            </a:r>
           </a:p>
         </p:txBody>
       </p:sp>
     </p:spTree>
     <p:extLst>
       <p:ext uri="{BB962C8B-B14F-4D97-AF65-F5344CB8AC3E}">
-        <p14:creationId xmlns:p14="http://schemas.microsoft.com/office/powerpoint/2010/main" val="2386971558"/>
+        <p14:creationId xmlns:p14="http://schemas.microsoft.com/office/powerpoint/2010/main" val="2910353354"/>
       </p:ext>
     </p:extLst>
   </p:cSld>
@@ -4769,97 +5309,121 @@
           <p:cNvPr id="2" name="제목 1">
             <a:extLst>
               <a:ext uri="{FF2B5EF4-FFF2-40B4-BE49-F238E27FC236}">
-                <a16:creationId xmlns:a16="http://schemas.microsoft.com/office/drawing/2014/main" xmlns="" id="{635C47BF-19DD-7A68-913E-EF8F14DBA234}"/>
+                <a16:creationId xmlns:a16="http://schemas.microsoft.com/office/drawing/2014/main" id="{01A54C98-4FC6-7ED5-6E1A-6C3F8BD42073}"/>
               </a:ext>
             </a:extLst>
           </p:cNvPr>
-          <p:cNvSpPr>
-            <a:spLocks noGrp="1"/>
-          </p:cNvSpPr>
-          <p:nvPr>
-            <p:ph type="title"/>
-          </p:nvPr>
-        </p:nvSpPr>
-        <p:spPr>
-          <a:xfrm>
-            <a:off x="479323" y="550605"/>
-            <a:ext cx="5295835" cy="481781"/>
-          </a:xfrm>
+          <p:cNvSpPr txBox="1">
+            <a:spLocks/>
+          </p:cNvSpPr>
+          <p:nvPr/>
+        </p:nvSpPr>
+        <p:spPr>
+          <a:xfrm>
+            <a:off x="460072" y="425480"/>
+            <a:ext cx="7461520" cy="481781"/>
+          </a:xfrm>
+          <a:prstGeom prst="rect">
+            <a:avLst/>
+          </a:prstGeom>
         </p:spPr>
         <p:txBody>
           <a:bodyPr>
             <a:noAutofit/>
           </a:bodyPr>
-          <a:lstStyle/>
+          <a:lstStyle>
+            <a:lvl1pPr algn="l" defTabSz="914400" rtl="0" eaLnBrk="1" latinLnBrk="1" hangingPunct="1">
+              <a:lnSpc>
+                <a:spcPct val="90000"/>
+              </a:lnSpc>
+              <a:spcBef>
+                <a:spcPct val="0"/>
+              </a:spcBef>
+              <a:buNone/>
+              <a:defRPr sz="4400" kern="1200">
+                <a:solidFill>
+                  <a:schemeClr val="accent1"/>
+                </a:solidFill>
+                <a:latin typeface="+mj-lt"/>
+                <a:ea typeface="+mj-ea"/>
+                <a:cs typeface="+mj-cs"/>
+              </a:defRPr>
+            </a:lvl1pPr>
+          </a:lstStyle>
           <a:p>
             <a:pPr marL="571500" indent="-571500">
               <a:buFont typeface="Arial" panose="020B0604020202020204" pitchFamily="34" charset="0"/>
               <a:buChar char="•"/>
             </a:pPr>
             <a:r>
+              <a:rPr lang="ko-KR" altLang="en-US" sz="3200" dirty="0">
+                <a:latin typeface="+mj-ea"/>
+              </a:rPr>
+              <a:t>기상청 동네예보 </a:t>
+            </a:r>
+            <a:r>
               <a:rPr lang="en-US" altLang="ko-KR" sz="3200" dirty="0">
                 <a:latin typeface="+mj-ea"/>
               </a:rPr>
-              <a:t>01.jsp</a:t>
-            </a:r>
-            <a:endParaRPr lang="ko-KR" altLang="en-US" sz="3200" dirty="0">
-              <a:latin typeface="+mj-ea"/>
-            </a:endParaRPr>
-          </a:p>
-        </p:txBody>
-      </p:sp>
-      <p:sp>
-        <p:nvSpPr>
-          <p:cNvPr id="10" name="화살표: 오른쪽 9">
+              <a:t>(</a:t>
+            </a:r>
+            <a:r>
+              <a:rPr lang="ko-KR" altLang="en-US" sz="3200" dirty="0">
+                <a:latin typeface="+mj-ea"/>
+              </a:rPr>
+              <a:t>오픈 </a:t>
+            </a:r>
+            <a:r>
+              <a:rPr lang="en-US" altLang="ko-KR" sz="3200" dirty="0">
+                <a:latin typeface="+mj-ea"/>
+              </a:rPr>
+              <a:t>API)</a:t>
+            </a:r>
+            <a:r>
+              <a:rPr lang="ko-KR" altLang="en-US" sz="3200" dirty="0">
+                <a:latin typeface="+mj-ea"/>
+              </a:rPr>
+              <a:t> 실습</a:t>
+            </a:r>
+          </a:p>
+        </p:txBody>
+      </p:sp>
+      <p:pic>
+        <p:nvPicPr>
+          <p:cNvPr id="4" name="그림 3">
             <a:extLst>
               <a:ext uri="{FF2B5EF4-FFF2-40B4-BE49-F238E27FC236}">
-                <a16:creationId xmlns:a16="http://schemas.microsoft.com/office/drawing/2014/main" xmlns="" id="{7F190A1E-9D7C-38C6-05E4-0EBF34278A5B}"/>
+                <a16:creationId xmlns:a16="http://schemas.microsoft.com/office/drawing/2014/main" id="{05E189DF-BA29-4E66-8846-5EAB7FD7F493}"/>
               </a:ext>
             </a:extLst>
           </p:cNvPr>
-          <p:cNvSpPr/>
+          <p:cNvPicPr>
+            <a:picLocks noChangeAspect="1"/>
+          </p:cNvPicPr>
           <p:nvPr/>
-        </p:nvSpPr>
-        <p:spPr>
-          <a:xfrm>
-            <a:off x="7947603" y="3592206"/>
-            <a:ext cx="1029904" cy="606391"/>
-          </a:xfrm>
-          <a:prstGeom prst="rightArrow">
+        </p:nvPicPr>
+        <p:blipFill>
+          <a:blip r:embed="rId2"/>
+          <a:stretch>
+            <a:fillRect/>
+          </a:stretch>
+        </p:blipFill>
+        <p:spPr>
+          <a:xfrm>
+            <a:off x="460072" y="1020277"/>
+            <a:ext cx="4554690" cy="5485679"/>
+          </a:xfrm>
+          <a:prstGeom prst="rect">
             <a:avLst/>
           </a:prstGeom>
         </p:spPr>
-        <p:style>
-          <a:lnRef idx="2">
-            <a:schemeClr val="accent1">
-              <a:shade val="50000"/>
-            </a:schemeClr>
-          </a:lnRef>
-          <a:fillRef idx="1">
-            <a:schemeClr val="accent1"/>
-          </a:fillRef>
-          <a:effectRef idx="0">
-            <a:schemeClr val="accent1"/>
-          </a:effectRef>
-          <a:fontRef idx="minor">
-            <a:schemeClr val="lt1"/>
-          </a:fontRef>
-        </p:style>
-        <p:txBody>
-          <a:bodyPr rtlCol="0" anchor="ctr"/>
-          <a:lstStyle/>
-          <a:p>
-            <a:pPr algn="ctr"/>
-            <a:endParaRPr lang="ko-KR" altLang="en-US"/>
-          </a:p>
-        </p:txBody>
-      </p:sp>
-      <p:sp>
-        <p:nvSpPr>
-          <p:cNvPr id="12" name="TextBox 11">
+      </p:pic>
+      <p:sp>
+        <p:nvSpPr>
+          <p:cNvPr id="5" name="TextBox 4">
             <a:extLst>
               <a:ext uri="{FF2B5EF4-FFF2-40B4-BE49-F238E27FC236}">
-                <a16:creationId xmlns:a16="http://schemas.microsoft.com/office/drawing/2014/main" xmlns="" id="{F128FE74-0958-FDAB-9337-1C4EE43C54F8}"/>
+                <a16:creationId xmlns:a16="http://schemas.microsoft.com/office/drawing/2014/main" id="{2C56D0E7-3272-9A65-163D-E6FECD8F4ACC}"/>
               </a:ext>
             </a:extLst>
           </p:cNvPr>
@@ -4868,8 +5432,8 @@
         </p:nvSpPr>
         <p:spPr>
           <a:xfrm>
-            <a:off x="8410027" y="423025"/>
-            <a:ext cx="3463826" cy="523220"/>
+            <a:off x="5619885" y="1020278"/>
+            <a:ext cx="6112043" cy="2116285"/>
           </a:xfrm>
           <a:prstGeom prst="rect">
             <a:avLst/>
@@ -4882,51 +5446,147 @@
           </a:bodyPr>
           <a:lstStyle/>
           <a:p>
-            <a:pPr algn="ctr"/>
-            <a:r>
-              <a:rPr lang="en-US" altLang="ko-KR" sz="2800" dirty="0">
-                <a:solidFill>
-                  <a:schemeClr val="accent1"/>
-                </a:solidFill>
-                <a:latin typeface="+mj-ea"/>
-                <a:ea typeface="+mj-ea"/>
-              </a:rPr>
-              <a:t>&lt; </a:t>
-            </a:r>
-            <a:r>
-              <a:rPr lang="ko-KR" altLang="en-US" sz="2800" dirty="0">
-                <a:solidFill>
-                  <a:schemeClr val="accent1"/>
-                </a:solidFill>
-                <a:latin typeface="+mj-ea"/>
-                <a:ea typeface="+mj-ea"/>
-              </a:rPr>
-              <a:t>실행화면 </a:t>
-            </a:r>
-            <a:r>
-              <a:rPr lang="en-US" altLang="ko-KR" sz="2800" dirty="0">
-                <a:solidFill>
-                  <a:schemeClr val="accent1"/>
-                </a:solidFill>
-                <a:latin typeface="+mj-ea"/>
-                <a:ea typeface="+mj-ea"/>
-              </a:rPr>
-              <a:t>&gt;</a:t>
-            </a:r>
-            <a:endParaRPr lang="ko-KR" altLang="en-US" sz="2800" dirty="0">
-              <a:solidFill>
-                <a:schemeClr val="accent1"/>
-              </a:solidFill>
+            <a:pPr marL="285750" indent="-285750">
+              <a:lnSpc>
+                <a:spcPct val="150000"/>
+              </a:lnSpc>
+              <a:buFont typeface="Arial" panose="020B0604020202020204" pitchFamily="34" charset="0"/>
+              <a:buChar char="•"/>
+            </a:pPr>
+            <a:r>
+              <a:rPr lang="ko-KR" altLang="en-US" dirty="0">
+                <a:latin typeface="+mj-ea"/>
+                <a:ea typeface="+mj-ea"/>
+              </a:rPr>
+              <a:t>기상청의 실시간 오픈 </a:t>
+            </a:r>
+            <a:r>
+              <a:rPr lang="en-US" altLang="ko-KR" dirty="0">
+                <a:latin typeface="+mj-ea"/>
+                <a:ea typeface="+mj-ea"/>
+              </a:rPr>
+              <a:t>API</a:t>
+            </a:r>
+            <a:r>
+              <a:rPr lang="ko-KR" altLang="en-US" dirty="0">
+                <a:latin typeface="+mj-ea"/>
+                <a:ea typeface="+mj-ea"/>
+              </a:rPr>
+              <a:t>를 활용한 호출응답 결과를 통해 격자좌표에 따른 해당 지역의 실시간 날씨 정보를 가져왔다</a:t>
+            </a:r>
+            <a:r>
+              <a:rPr lang="en-US" altLang="ko-KR" dirty="0">
+                <a:latin typeface="+mj-ea"/>
+                <a:ea typeface="+mj-ea"/>
+              </a:rPr>
+              <a:t>.</a:t>
+            </a:r>
+          </a:p>
+          <a:p>
+            <a:pPr marL="285750" indent="-285750">
+              <a:lnSpc>
+                <a:spcPct val="150000"/>
+              </a:lnSpc>
+              <a:buFont typeface="Arial" panose="020B0604020202020204" pitchFamily="34" charset="0"/>
+              <a:buChar char="•"/>
+            </a:pPr>
+            <a:r>
+              <a:rPr lang="en-US" altLang="ko-KR" dirty="0" err="1">
+                <a:latin typeface="+mj-ea"/>
+                <a:ea typeface="+mj-ea"/>
+              </a:rPr>
+              <a:t>gridx</a:t>
+            </a:r>
+            <a:r>
+              <a:rPr lang="en-US" altLang="ko-KR" dirty="0">
+                <a:latin typeface="+mj-ea"/>
+                <a:ea typeface="+mj-ea"/>
+              </a:rPr>
+              <a:t>=55 &amp; </a:t>
+            </a:r>
+            <a:r>
+              <a:rPr lang="en-US" altLang="ko-KR" dirty="0" err="1">
+                <a:latin typeface="+mj-ea"/>
+                <a:ea typeface="+mj-ea"/>
+              </a:rPr>
+              <a:t>gridy</a:t>
+            </a:r>
+            <a:r>
+              <a:rPr lang="en-US" altLang="ko-KR" dirty="0">
+                <a:latin typeface="+mj-ea"/>
+                <a:ea typeface="+mj-ea"/>
+              </a:rPr>
+              <a:t>=124</a:t>
+            </a:r>
+            <a:r>
+              <a:rPr lang="ko-KR" altLang="en-US" dirty="0">
+                <a:latin typeface="+mj-ea"/>
+                <a:ea typeface="+mj-ea"/>
+              </a:rPr>
+              <a:t>는 인천광역시 </a:t>
+            </a:r>
+            <a:r>
+              <a:rPr lang="ko-KR" altLang="en-US" dirty="0" err="1">
+                <a:latin typeface="+mj-ea"/>
+                <a:ea typeface="+mj-ea"/>
+              </a:rPr>
+              <a:t>미추홀구</a:t>
+            </a:r>
+            <a:r>
+              <a:rPr lang="ko-KR" altLang="en-US" dirty="0">
+                <a:latin typeface="+mj-ea"/>
+                <a:ea typeface="+mj-ea"/>
+              </a:rPr>
+              <a:t> 우리집의 격자좌표 이다</a:t>
+            </a:r>
+            <a:r>
+              <a:rPr lang="en-US" altLang="ko-KR" dirty="0">
+                <a:latin typeface="+mj-ea"/>
+                <a:ea typeface="+mj-ea"/>
+              </a:rPr>
+              <a:t>.</a:t>
+            </a:r>
+            <a:endParaRPr lang="ko-KR" altLang="en-US" dirty="0">
               <a:latin typeface="+mj-ea"/>
               <a:ea typeface="+mj-ea"/>
             </a:endParaRPr>
           </a:p>
         </p:txBody>
       </p:sp>
+      <p:pic>
+        <p:nvPicPr>
+          <p:cNvPr id="9" name="그림 8">
+            <a:extLst>
+              <a:ext uri="{FF2B5EF4-FFF2-40B4-BE49-F238E27FC236}">
+                <a16:creationId xmlns:a16="http://schemas.microsoft.com/office/drawing/2014/main" id="{8D1AC7A4-1927-CBBA-8016-FACA47551CAF}"/>
+              </a:ext>
+            </a:extLst>
+          </p:cNvPr>
+          <p:cNvPicPr>
+            <a:picLocks noChangeAspect="1"/>
+          </p:cNvPicPr>
+          <p:nvPr/>
+        </p:nvPicPr>
+        <p:blipFill>
+          <a:blip r:embed="rId3"/>
+          <a:stretch>
+            <a:fillRect/>
+          </a:stretch>
+        </p:blipFill>
+        <p:spPr>
+          <a:xfrm>
+            <a:off x="5560865" y="3249580"/>
+            <a:ext cx="6171063" cy="3259899"/>
+          </a:xfrm>
+          <a:prstGeom prst="rect">
+            <a:avLst/>
+          </a:prstGeom>
+        </p:spPr>
+      </p:pic>
     </p:spTree>
     <p:extLst>
       <p:ext uri="{BB962C8B-B14F-4D97-AF65-F5344CB8AC3E}">
-        <p14:creationId xmlns:p14="http://schemas.microsoft.com/office/powerpoint/2010/main" val="360652235"/>
+        <p14:creationId xmlns:p14="http://schemas.microsoft.com/office/powerpoint/2010/main" val="1397131081"/>
       </p:ext>
     </p:extLst>
   </p:cSld>
@@ -4953,102 +5613,72 @@
           <a:chExt cx="0" cy="0"/>
         </a:xfrm>
       </p:grpSpPr>
-      <p:sp>
-        <p:nvSpPr>
-          <p:cNvPr id="2" name="제목 1">
+      <p:pic>
+        <p:nvPicPr>
+          <p:cNvPr id="3" name="그림 2">
             <a:extLst>
               <a:ext uri="{FF2B5EF4-FFF2-40B4-BE49-F238E27FC236}">
-                <a16:creationId xmlns:a16="http://schemas.microsoft.com/office/drawing/2014/main" xmlns="" id="{635C47BF-19DD-7A68-913E-EF8F14DBA234}"/>
+                <a16:creationId xmlns:a16="http://schemas.microsoft.com/office/drawing/2014/main" id="{3012F480-2DC1-0EF9-0225-62CC9481574E}"/>
               </a:ext>
             </a:extLst>
           </p:cNvPr>
-          <p:cNvSpPr>
-            <a:spLocks noGrp="1"/>
-          </p:cNvSpPr>
-          <p:nvPr>
-            <p:ph type="title"/>
-          </p:nvPr>
-        </p:nvSpPr>
-        <p:spPr>
-          <a:xfrm>
-            <a:off x="479323" y="550605"/>
-            <a:ext cx="5295835" cy="481781"/>
-          </a:xfrm>
-        </p:spPr>
-        <p:txBody>
-          <a:bodyPr>
-            <a:noAutofit/>
-          </a:bodyPr>
-          <a:lstStyle/>
-          <a:p>
-            <a:pPr marL="571500" indent="-571500">
-              <a:buFont typeface="Arial" panose="020B0604020202020204" pitchFamily="34" charset="0"/>
-              <a:buChar char="•"/>
-            </a:pPr>
-            <a:r>
-              <a:rPr lang="en-US" altLang="ko-KR" sz="3200" dirty="0">
-                <a:latin typeface="+mj-ea"/>
-              </a:rPr>
-              <a:t>01.jsp</a:t>
-            </a:r>
-            <a:endParaRPr lang="ko-KR" altLang="en-US" sz="3200" dirty="0">
-              <a:latin typeface="+mj-ea"/>
-            </a:endParaRPr>
-          </a:p>
-        </p:txBody>
-      </p:sp>
-      <p:sp>
-        <p:nvSpPr>
-          <p:cNvPr id="10" name="화살표: 오른쪽 9">
+          <p:cNvPicPr>
+            <a:picLocks noChangeAspect="1"/>
+          </p:cNvPicPr>
+          <p:nvPr/>
+        </p:nvPicPr>
+        <p:blipFill>
+          <a:blip r:embed="rId2"/>
+          <a:stretch>
+            <a:fillRect/>
+          </a:stretch>
+        </p:blipFill>
+        <p:spPr>
+          <a:xfrm>
+            <a:off x="375526" y="1585739"/>
+            <a:ext cx="5896798" cy="4629796"/>
+          </a:xfrm>
+          <a:prstGeom prst="rect">
+            <a:avLst/>
+          </a:prstGeom>
+        </p:spPr>
+      </p:pic>
+      <p:pic>
+        <p:nvPicPr>
+          <p:cNvPr id="5" name="그림 4">
             <a:extLst>
               <a:ext uri="{FF2B5EF4-FFF2-40B4-BE49-F238E27FC236}">
-                <a16:creationId xmlns:a16="http://schemas.microsoft.com/office/drawing/2014/main" xmlns="" id="{7F190A1E-9D7C-38C6-05E4-0EBF34278A5B}"/>
+                <a16:creationId xmlns:a16="http://schemas.microsoft.com/office/drawing/2014/main" id="{6321ABF4-82E6-2055-123A-462BCB4BA99B}"/>
               </a:ext>
             </a:extLst>
           </p:cNvPr>
-          <p:cNvSpPr/>
+          <p:cNvPicPr>
+            <a:picLocks noChangeAspect="1"/>
+          </p:cNvPicPr>
           <p:nvPr/>
-        </p:nvSpPr>
-        <p:spPr>
-          <a:xfrm>
-            <a:off x="7947603" y="3592206"/>
-            <a:ext cx="1029904" cy="606391"/>
-          </a:xfrm>
-          <a:prstGeom prst="rightArrow">
+        </p:nvPicPr>
+        <p:blipFill>
+          <a:blip r:embed="rId3"/>
+          <a:stretch>
+            <a:fillRect/>
+          </a:stretch>
+        </p:blipFill>
+        <p:spPr>
+          <a:xfrm>
+            <a:off x="6329112" y="1585739"/>
+            <a:ext cx="5487362" cy="4190726"/>
+          </a:xfrm>
+          <a:prstGeom prst="rect">
             <a:avLst/>
           </a:prstGeom>
         </p:spPr>
-        <p:style>
-          <a:lnRef idx="2">
-            <a:schemeClr val="accent1">
-              <a:shade val="50000"/>
-            </a:schemeClr>
-          </a:lnRef>
-          <a:fillRef idx="1">
-            <a:schemeClr val="accent1"/>
-          </a:fillRef>
-          <a:effectRef idx="0">
-            <a:schemeClr val="accent1"/>
-          </a:effectRef>
-          <a:fontRef idx="minor">
-            <a:schemeClr val="lt1"/>
-          </a:fontRef>
-        </p:style>
-        <p:txBody>
-          <a:bodyPr rtlCol="0" anchor="ctr"/>
-          <a:lstStyle/>
-          <a:p>
-            <a:pPr algn="ctr"/>
-            <a:endParaRPr lang="ko-KR" altLang="en-US"/>
-          </a:p>
-        </p:txBody>
-      </p:sp>
-      <p:sp>
-        <p:nvSpPr>
-          <p:cNvPr id="12" name="TextBox 11">
+      </p:pic>
+      <p:sp>
+        <p:nvSpPr>
+          <p:cNvPr id="6" name="TextBox 5">
             <a:extLst>
               <a:ext uri="{FF2B5EF4-FFF2-40B4-BE49-F238E27FC236}">
-                <a16:creationId xmlns:a16="http://schemas.microsoft.com/office/drawing/2014/main" xmlns="" id="{F128FE74-0958-FDAB-9337-1C4EE43C54F8}"/>
+                <a16:creationId xmlns:a16="http://schemas.microsoft.com/office/drawing/2014/main" id="{9B681B06-BED4-372D-D2C0-986C36245329}"/>
               </a:ext>
             </a:extLst>
           </p:cNvPr>
@@ -5057,8 +5687,8 @@
         </p:nvSpPr>
         <p:spPr>
           <a:xfrm>
-            <a:off x="8410027" y="423025"/>
-            <a:ext cx="3463826" cy="523220"/>
+            <a:off x="375526" y="517337"/>
+            <a:ext cx="11440948" cy="574966"/>
           </a:xfrm>
           <a:prstGeom prst="rect">
             <a:avLst/>
@@ -5071,51 +5701,27 @@
           </a:bodyPr>
           <a:lstStyle/>
           <a:p>
-            <a:pPr algn="ctr"/>
-            <a:r>
-              <a:rPr lang="en-US" altLang="ko-KR" sz="2800" dirty="0">
-                <a:solidFill>
-                  <a:schemeClr val="accent1"/>
-                </a:solidFill>
-                <a:latin typeface="+mj-ea"/>
-                <a:ea typeface="+mj-ea"/>
-              </a:rPr>
-              <a:t>&lt; </a:t>
-            </a:r>
-            <a:r>
-              <a:rPr lang="ko-KR" altLang="en-US" sz="2800" dirty="0">
-                <a:solidFill>
-                  <a:schemeClr val="accent1"/>
-                </a:solidFill>
-                <a:latin typeface="+mj-ea"/>
-                <a:ea typeface="+mj-ea"/>
-              </a:rPr>
-              <a:t>실행화면 </a:t>
-            </a:r>
-            <a:r>
-              <a:rPr lang="en-US" altLang="ko-KR" sz="2800" dirty="0">
-                <a:solidFill>
-                  <a:schemeClr val="accent1"/>
-                </a:solidFill>
-                <a:latin typeface="+mj-ea"/>
-                <a:ea typeface="+mj-ea"/>
-              </a:rPr>
-              <a:t>&gt;</a:t>
-            </a:r>
-            <a:endParaRPr lang="ko-KR" altLang="en-US" sz="2800" dirty="0">
-              <a:solidFill>
-                <a:schemeClr val="accent1"/>
-              </a:solidFill>
-              <a:latin typeface="+mj-ea"/>
-              <a:ea typeface="+mj-ea"/>
-            </a:endParaRPr>
+            <a:pPr marL="285750" indent="-285750">
+              <a:lnSpc>
+                <a:spcPct val="150000"/>
+              </a:lnSpc>
+              <a:buFont typeface="Arial" panose="020B0604020202020204" pitchFamily="34" charset="0"/>
+              <a:buChar char="•"/>
+            </a:pPr>
+            <a:r>
+              <a:rPr lang="ko-KR" altLang="en-US" sz="2400" dirty="0">
+                <a:latin typeface="+mj-ea"/>
+                <a:ea typeface="+mj-ea"/>
+              </a:rPr>
+              <a:t>오늘 날짜의 기상 정보 데이터 출력부분</a:t>
+            </a:r>
           </a:p>
         </p:txBody>
       </p:sp>
     </p:spTree>
     <p:extLst>
       <p:ext uri="{BB962C8B-B14F-4D97-AF65-F5344CB8AC3E}">
-        <p14:creationId xmlns:p14="http://schemas.microsoft.com/office/powerpoint/2010/main" val="2266824441"/>
+        <p14:creationId xmlns:p14="http://schemas.microsoft.com/office/powerpoint/2010/main" val="3424826471"/>
       </p:ext>
     </p:extLst>
   </p:cSld>
